--- a/Практика.pptx
+++ b/Практика.pptx
@@ -5,7 +5,7 @@
     <p:sldMasterId id="2147483660" r:id="rId1"/>
   </p:sldMasterIdLst>
   <p:notesMasterIdLst>
-    <p:notesMasterId r:id="rId15"/>
+    <p:notesMasterId r:id="rId26"/>
   </p:notesMasterIdLst>
   <p:sldIdLst>
     <p:sldId id="256" r:id="rId2"/>
@@ -21,6 +21,17 @@
     <p:sldId id="265" r:id="rId12"/>
     <p:sldId id="266" r:id="rId13"/>
     <p:sldId id="267" r:id="rId14"/>
+    <p:sldId id="269" r:id="rId15"/>
+    <p:sldId id="270" r:id="rId16"/>
+    <p:sldId id="271" r:id="rId17"/>
+    <p:sldId id="273" r:id="rId18"/>
+    <p:sldId id="272" r:id="rId19"/>
+    <p:sldId id="274" r:id="rId20"/>
+    <p:sldId id="275" r:id="rId21"/>
+    <p:sldId id="276" r:id="rId22"/>
+    <p:sldId id="277" r:id="rId23"/>
+    <p:sldId id="278" r:id="rId24"/>
+    <p:sldId id="279" r:id="rId25"/>
   </p:sldIdLst>
   <p:sldSz cx="12192000" cy="6858000"/>
   <p:notesSz cx="6858000" cy="9144000"/>
@@ -119,6 +130,11 @@
       </a:defRPr>
     </a:lvl9pPr>
   </p:defaultTextStyle>
+  <p:extLst>
+    <p:ext uri="{EFAFB233-063F-42B5-8137-9DF3F51BA10A}">
+      <p15:sldGuideLst xmlns:p15="http://schemas.microsoft.com/office/powerpoint/2012/main"/>
+    </p:ext>
+  </p:extLst>
 </p:presentation>
 </file>
 
@@ -204,7 +220,7 @@
           <a:p>
             <a:fld id="{1409166A-69F4-42AE-BBA6-9CFF02010338}" type="datetimeFigureOut">
               <a:rPr lang="ru-RU" smtClean="0"/>
-              <a:t>26.08.2020</a:t>
+              <a:t>01.09.2020</a:t>
             </a:fld>
             <a:endParaRPr lang="ru-RU"/>
           </a:p>
@@ -742,7 +758,7 @@
           <a:p>
             <a:fld id="{EB7C8B59-5C47-44B6-8DFA-34544DE6D6AB}" type="datetimeFigureOut">
               <a:rPr lang="ru-RU" smtClean="0"/>
-              <a:t>26.08.2020</a:t>
+              <a:t>01.09.2020</a:t>
             </a:fld>
             <a:endParaRPr lang="ru-RU"/>
           </a:p>
@@ -1017,7 +1033,7 @@
           <a:p>
             <a:fld id="{EB7C8B59-5C47-44B6-8DFA-34544DE6D6AB}" type="datetimeFigureOut">
               <a:rPr lang="ru-RU" smtClean="0"/>
-              <a:t>26.08.2020</a:t>
+              <a:t>01.09.2020</a:t>
             </a:fld>
             <a:endParaRPr lang="ru-RU"/>
           </a:p>
@@ -1211,7 +1227,7 @@
           <a:p>
             <a:fld id="{EB7C8B59-5C47-44B6-8DFA-34544DE6D6AB}" type="datetimeFigureOut">
               <a:rPr lang="ru-RU" smtClean="0"/>
-              <a:t>26.08.2020</a:t>
+              <a:t>01.09.2020</a:t>
             </a:fld>
             <a:endParaRPr lang="ru-RU"/>
           </a:p>
@@ -1484,7 +1500,7 @@
           <a:p>
             <a:fld id="{EB7C8B59-5C47-44B6-8DFA-34544DE6D6AB}" type="datetimeFigureOut">
               <a:rPr lang="ru-RU" smtClean="0"/>
-              <a:t>26.08.2020</a:t>
+              <a:t>01.09.2020</a:t>
             </a:fld>
             <a:endParaRPr lang="ru-RU"/>
           </a:p>
@@ -1825,7 +1841,7 @@
           <a:p>
             <a:fld id="{EB7C8B59-5C47-44B6-8DFA-34544DE6D6AB}" type="datetimeFigureOut">
               <a:rPr lang="ru-RU" smtClean="0"/>
-              <a:t>26.08.2020</a:t>
+              <a:t>01.09.2020</a:t>
             </a:fld>
             <a:endParaRPr lang="ru-RU"/>
           </a:p>
@@ -2448,7 +2464,7 @@
           <a:p>
             <a:fld id="{EB7C8B59-5C47-44B6-8DFA-34544DE6D6AB}" type="datetimeFigureOut">
               <a:rPr lang="ru-RU" smtClean="0"/>
-              <a:t>26.08.2020</a:t>
+              <a:t>01.09.2020</a:t>
             </a:fld>
             <a:endParaRPr lang="ru-RU"/>
           </a:p>
@@ -3308,7 +3324,7 @@
           <a:p>
             <a:fld id="{EB7C8B59-5C47-44B6-8DFA-34544DE6D6AB}" type="datetimeFigureOut">
               <a:rPr lang="ru-RU" smtClean="0"/>
-              <a:t>26.08.2020</a:t>
+              <a:t>01.09.2020</a:t>
             </a:fld>
             <a:endParaRPr lang="ru-RU"/>
           </a:p>
@@ -3478,7 +3494,7 @@
           <a:p>
             <a:fld id="{EB7C8B59-5C47-44B6-8DFA-34544DE6D6AB}" type="datetimeFigureOut">
               <a:rPr lang="ru-RU" smtClean="0"/>
-              <a:t>26.08.2020</a:t>
+              <a:t>01.09.2020</a:t>
             </a:fld>
             <a:endParaRPr lang="ru-RU"/>
           </a:p>
@@ -3658,7 +3674,7 @@
           <a:p>
             <a:fld id="{EB7C8B59-5C47-44B6-8DFA-34544DE6D6AB}" type="datetimeFigureOut">
               <a:rPr lang="ru-RU" smtClean="0"/>
-              <a:t>26.08.2020</a:t>
+              <a:t>01.09.2020</a:t>
             </a:fld>
             <a:endParaRPr lang="ru-RU"/>
           </a:p>
@@ -3828,7 +3844,7 @@
           <a:p>
             <a:fld id="{EB7C8B59-5C47-44B6-8DFA-34544DE6D6AB}" type="datetimeFigureOut">
               <a:rPr lang="ru-RU" smtClean="0"/>
-              <a:t>26.08.2020</a:t>
+              <a:t>01.09.2020</a:t>
             </a:fld>
             <a:endParaRPr lang="ru-RU"/>
           </a:p>
@@ -4075,7 +4091,7 @@
           <a:p>
             <a:fld id="{EB7C8B59-5C47-44B6-8DFA-34544DE6D6AB}" type="datetimeFigureOut">
               <a:rPr lang="ru-RU" smtClean="0"/>
-              <a:t>26.08.2020</a:t>
+              <a:t>01.09.2020</a:t>
             </a:fld>
             <a:endParaRPr lang="ru-RU"/>
           </a:p>
@@ -4367,7 +4383,7 @@
           <a:p>
             <a:fld id="{EB7C8B59-5C47-44B6-8DFA-34544DE6D6AB}" type="datetimeFigureOut">
               <a:rPr lang="ru-RU" smtClean="0"/>
-              <a:t>26.08.2020</a:t>
+              <a:t>01.09.2020</a:t>
             </a:fld>
             <a:endParaRPr lang="ru-RU"/>
           </a:p>
@@ -4811,7 +4827,7 @@
           <a:p>
             <a:fld id="{EB7C8B59-5C47-44B6-8DFA-34544DE6D6AB}" type="datetimeFigureOut">
               <a:rPr lang="ru-RU" smtClean="0"/>
-              <a:t>26.08.2020</a:t>
+              <a:t>01.09.2020</a:t>
             </a:fld>
             <a:endParaRPr lang="ru-RU"/>
           </a:p>
@@ -4929,7 +4945,7 @@
           <a:p>
             <a:fld id="{EB7C8B59-5C47-44B6-8DFA-34544DE6D6AB}" type="datetimeFigureOut">
               <a:rPr lang="ru-RU" smtClean="0"/>
-              <a:t>26.08.2020</a:t>
+              <a:t>01.09.2020</a:t>
             </a:fld>
             <a:endParaRPr lang="ru-RU"/>
           </a:p>
@@ -5024,7 +5040,7 @@
           <a:p>
             <a:fld id="{EB7C8B59-5C47-44B6-8DFA-34544DE6D6AB}" type="datetimeFigureOut">
               <a:rPr lang="ru-RU" smtClean="0"/>
-              <a:t>26.08.2020</a:t>
+              <a:t>01.09.2020</a:t>
             </a:fld>
             <a:endParaRPr lang="ru-RU"/>
           </a:p>
@@ -5303,7 +5319,7 @@
           <a:p>
             <a:fld id="{EB7C8B59-5C47-44B6-8DFA-34544DE6D6AB}" type="datetimeFigureOut">
               <a:rPr lang="ru-RU" smtClean="0"/>
-              <a:t>26.08.2020</a:t>
+              <a:t>01.09.2020</a:t>
             </a:fld>
             <a:endParaRPr lang="ru-RU"/>
           </a:p>
@@ -5578,7 +5594,7 @@
           <a:p>
             <a:fld id="{EB7C8B59-5C47-44B6-8DFA-34544DE6D6AB}" type="datetimeFigureOut">
               <a:rPr lang="ru-RU" smtClean="0"/>
-              <a:t>26.08.2020</a:t>
+              <a:t>01.09.2020</a:t>
             </a:fld>
             <a:endParaRPr lang="ru-RU"/>
           </a:p>
@@ -6007,7 +6023,7 @@
           <a:p>
             <a:fld id="{EB7C8B59-5C47-44B6-8DFA-34544DE6D6AB}" type="datetimeFigureOut">
               <a:rPr lang="ru-RU" smtClean="0"/>
-              <a:t>26.08.2020</a:t>
+              <a:t>01.09.2020</a:t>
             </a:fld>
             <a:endParaRPr lang="ru-RU"/>
           </a:p>
@@ -6547,8 +6563,8 @@
         </p:nvSpPr>
         <p:spPr>
           <a:xfrm>
-            <a:off x="2098765" y="1158240"/>
-            <a:ext cx="7271658" cy="4345577"/>
+            <a:off x="2344824" y="1733007"/>
+            <a:ext cx="7271658" cy="2934788"/>
           </a:xfrm>
         </p:spPr>
         <p:txBody>
@@ -6557,20 +6573,8 @@
           <a:p>
             <a:pPr algn="ctr"/>
             <a:r>
-              <a:rPr lang="ru-RU" sz="4400" dirty="0" smtClean="0"/>
-              <a:t>Отправка </a:t>
-            </a:r>
-            <a:r>
-              <a:rPr lang="en-US" sz="4400" dirty="0" smtClean="0"/>
-              <a:t>GET </a:t>
-            </a:r>
-            <a:r>
-              <a:rPr lang="ru-RU" sz="4400" dirty="0" smtClean="0"/>
-              <a:t>запросов по протоколу </a:t>
-            </a:r>
-            <a:r>
-              <a:rPr lang="en-US" sz="4400" dirty="0" smtClean="0"/>
-              <a:t>http(s)</a:t>
+              <a:rPr lang="ru-RU" sz="4400" dirty="0"/>
+              <a:t>Приложения, сделанные на практике</a:t>
             </a:r>
             <a:endParaRPr lang="ru-RU" sz="4400" dirty="0"/>
           </a:p>
@@ -6584,8 +6588,8 @@
         </p:nvSpPr>
         <p:spPr>
           <a:xfrm>
-            <a:off x="3435727" y="5669280"/>
-            <a:ext cx="5089855" cy="400110"/>
+            <a:off x="2874900" y="5216434"/>
+            <a:ext cx="5352747" cy="400110"/>
           </a:xfrm>
           <a:prstGeom prst="rect">
             <a:avLst/>
@@ -6607,7 +6611,29 @@
                   </a:schemeClr>
                 </a:solidFill>
               </a:rPr>
-              <a:t>Приложение, сделанное на практике</a:t>
+              <a:t>Консольная утилита и </a:t>
+            </a:r>
+            <a:r>
+              <a:rPr lang="en-US" sz="2000" dirty="0" smtClean="0">
+                <a:solidFill>
+                  <a:schemeClr val="bg2">
+                    <a:lumMod val="60000"/>
+                    <a:lumOff val="40000"/>
+                  </a:schemeClr>
+                </a:solidFill>
+              </a:rPr>
+              <a:t>Web-</a:t>
+            </a:r>
+            <a:r>
+              <a:rPr lang="ru-RU" sz="2000" dirty="0" smtClean="0">
+                <a:solidFill>
+                  <a:schemeClr val="bg2">
+                    <a:lumMod val="60000"/>
+                    <a:lumOff val="40000"/>
+                  </a:schemeClr>
+                </a:solidFill>
+              </a:rPr>
+              <a:t>приложение</a:t>
             </a:r>
             <a:endParaRPr lang="ru-RU" sz="2000" dirty="0">
               <a:solidFill>
@@ -6777,11 +6803,7 @@
             <a:pPr algn="just"/>
             <a:r>
               <a:rPr lang="ru-RU" sz="2400" dirty="0" smtClean="0"/>
-              <a:t>Данный метод получает интервал времени в миллисекундах. Если существует интервал между запросами, то соответствующий поток выводит  сообщение и ждет заданное время.</a:t>
-            </a:r>
-            <a:r>
-              <a:rPr lang="ru-RU" sz="2400" dirty="0" smtClean="0"/>
-              <a:t> Данный метод ничего не возвращает.</a:t>
+              <a:t>Данный метод получает интервал времени в миллисекундах. Если существует интервал между запросами, то соответствующий поток выводит  сообщение и ждет заданное время. Данный метод ничего не возвращает.</a:t>
             </a:r>
             <a:endParaRPr lang="ru-RU" sz="2400" dirty="0"/>
           </a:p>
@@ -7161,6 +7183,13 @@
   <p:clrMapOvr>
     <a:masterClrMapping/>
   </p:clrMapOvr>
+  <p:timing>
+    <p:tnLst>
+      <p:par>
+        <p:cTn id="1" dur="indefinite" restart="never" nodeType="tmRoot"/>
+      </p:par>
+    </p:tnLst>
+  </p:timing>
 </p:sld>
 </file>
 
@@ -7390,11 +7419,7 @@
             </a:r>
             <a:r>
               <a:rPr lang="ru-RU" sz="2000" dirty="0" smtClean="0"/>
-              <a:t> пользователь вводит количество запросов. Метод проверяет правильно ввода, </a:t>
-            </a:r>
-            <a:r>
-              <a:rPr lang="ru-RU" sz="2000" dirty="0" smtClean="0"/>
-              <a:t>, если правильно, то возвращает неотрицательное число.</a:t>
+              <a:t> пользователь вводит количество запросов. Метод проверяет правильно ввода, , если правильно, то возвращает неотрицательное число.</a:t>
             </a:r>
             <a:endParaRPr lang="en-US" sz="2000" dirty="0" smtClean="0"/>
           </a:p>
@@ -7434,6 +7459,1506 @@
   <p:clrMapOvr>
     <a:masterClrMapping/>
   </p:clrMapOvr>
+</p:sld>
+</file>
+
+<file path=ppt/slides/slide14.xml><?xml version="1.0" encoding="utf-8"?>
+<p:sld xmlns:a="http://schemas.openxmlformats.org/drawingml/2006/main" xmlns:r="http://schemas.openxmlformats.org/officeDocument/2006/relationships" xmlns:p="http://schemas.openxmlformats.org/presentationml/2006/main">
+  <p:cSld>
+    <p:spTree>
+      <p:nvGrpSpPr>
+        <p:cNvPr id="1" name=""/>
+        <p:cNvGrpSpPr/>
+        <p:nvPr/>
+      </p:nvGrpSpPr>
+      <p:grpSpPr>
+        <a:xfrm>
+          <a:off x="0" y="0"/>
+          <a:ext cx="0" cy="0"/>
+          <a:chOff x="0" y="0"/>
+          <a:chExt cx="0" cy="0"/>
+        </a:xfrm>
+      </p:grpSpPr>
+      <p:sp>
+        <p:nvSpPr>
+          <p:cNvPr id="2" name="Заголовок 1"/>
+          <p:cNvSpPr>
+            <a:spLocks noGrp="1"/>
+          </p:cNvSpPr>
+          <p:nvPr>
+            <p:ph type="title"/>
+          </p:nvPr>
+        </p:nvSpPr>
+        <p:spPr>
+          <a:xfrm>
+            <a:off x="646111" y="452718"/>
+            <a:ext cx="9404723" cy="670688"/>
+          </a:xfrm>
+        </p:spPr>
+        <p:txBody>
+          <a:bodyPr/>
+          <a:lstStyle/>
+          <a:p>
+            <a:r>
+              <a:rPr lang="ru-RU" sz="3600" dirty="0" smtClean="0"/>
+              <a:t>Работа приложения</a:t>
+            </a:r>
+            <a:endParaRPr lang="ru-RU" sz="3600" dirty="0"/>
+          </a:p>
+        </p:txBody>
+      </p:sp>
+      <p:sp>
+        <p:nvSpPr>
+          <p:cNvPr id="3" name="TextBox 2"/>
+          <p:cNvSpPr txBox="1"/>
+          <p:nvPr/>
+        </p:nvSpPr>
+        <p:spPr>
+          <a:xfrm>
+            <a:off x="1071154" y="1567543"/>
+            <a:ext cx="6862355" cy="923330"/>
+          </a:xfrm>
+          <a:prstGeom prst="rect">
+            <a:avLst/>
+          </a:prstGeom>
+          <a:noFill/>
+        </p:spPr>
+        <p:txBody>
+          <a:bodyPr wrap="square" rtlCol="0">
+            <a:spAutoFit/>
+          </a:bodyPr>
+          <a:lstStyle/>
+          <a:p>
+            <a:pPr marL="342900" indent="-342900">
+              <a:buFont typeface="+mj-lt"/>
+              <a:buAutoNum type="arabicPeriod"/>
+            </a:pPr>
+            <a:r>
+              <a:rPr lang="ru-RU" dirty="0" smtClean="0"/>
+              <a:t>Вводим </a:t>
+            </a:r>
+            <a:r>
+              <a:rPr lang="en-US" dirty="0" smtClean="0"/>
+              <a:t>IP</a:t>
+            </a:r>
+            <a:r>
+              <a:rPr lang="ru-RU" dirty="0" smtClean="0"/>
+              <a:t>, который существует в </a:t>
+            </a:r>
+            <a:r>
+              <a:rPr lang="en-US" dirty="0" smtClean="0"/>
+              <a:t>log-</a:t>
+            </a:r>
+            <a:r>
+              <a:rPr lang="ru-RU" dirty="0" smtClean="0"/>
+              <a:t>файле.</a:t>
+            </a:r>
+          </a:p>
+          <a:p>
+            <a:pPr marL="342900" indent="-342900">
+              <a:buFont typeface="+mj-lt"/>
+              <a:buAutoNum type="arabicPeriod"/>
+            </a:pPr>
+            <a:r>
+              <a:rPr lang="ru-RU" dirty="0" smtClean="0"/>
+              <a:t>Вводим количество запросов.</a:t>
+            </a:r>
+          </a:p>
+          <a:p>
+            <a:pPr marL="342900" indent="-342900">
+              <a:buFont typeface="+mj-lt"/>
+              <a:buAutoNum type="arabicPeriod"/>
+            </a:pPr>
+            <a:r>
+              <a:rPr lang="ru-RU" dirty="0" smtClean="0"/>
+              <a:t>Ожидаем выполнение запросов.</a:t>
+            </a:r>
+            <a:endParaRPr lang="ru-RU" dirty="0"/>
+          </a:p>
+        </p:txBody>
+      </p:sp>
+      <p:pic>
+        <p:nvPicPr>
+          <p:cNvPr id="9" name="Рисунок 8"/>
+          <p:cNvPicPr>
+            <a:picLocks noChangeAspect="1"/>
+          </p:cNvPicPr>
+          <p:nvPr/>
+        </p:nvPicPr>
+        <p:blipFill>
+          <a:blip r:embed="rId2"/>
+          <a:stretch>
+            <a:fillRect/>
+          </a:stretch>
+        </p:blipFill>
+        <p:spPr>
+          <a:xfrm>
+            <a:off x="1071154" y="3517652"/>
+            <a:ext cx="9211961" cy="2905530"/>
+          </a:xfrm>
+          <a:prstGeom prst="rect">
+            <a:avLst/>
+          </a:prstGeom>
+        </p:spPr>
+      </p:pic>
+    </p:spTree>
+    <p:extLst>
+      <p:ext uri="{BB962C8B-B14F-4D97-AF65-F5344CB8AC3E}">
+        <p14:creationId xmlns:p14="http://schemas.microsoft.com/office/powerpoint/2010/main" val="2145002547"/>
+      </p:ext>
+    </p:extLst>
+  </p:cSld>
+  <p:clrMapOvr>
+    <a:masterClrMapping/>
+  </p:clrMapOvr>
+  <p:timing>
+    <p:tnLst>
+      <p:par>
+        <p:cTn id="1" dur="indefinite" restart="never" nodeType="tmRoot"/>
+      </p:par>
+    </p:tnLst>
+  </p:timing>
+</p:sld>
+</file>
+
+<file path=ppt/slides/slide15.xml><?xml version="1.0" encoding="utf-8"?>
+<p:sld xmlns:a="http://schemas.openxmlformats.org/drawingml/2006/main" xmlns:r="http://schemas.openxmlformats.org/officeDocument/2006/relationships" xmlns:p="http://schemas.openxmlformats.org/presentationml/2006/main">
+  <p:cSld>
+    <p:spTree>
+      <p:nvGrpSpPr>
+        <p:cNvPr id="1" name=""/>
+        <p:cNvGrpSpPr/>
+        <p:nvPr/>
+      </p:nvGrpSpPr>
+      <p:grpSpPr>
+        <a:xfrm>
+          <a:off x="0" y="0"/>
+          <a:ext cx="0" cy="0"/>
+          <a:chOff x="0" y="0"/>
+          <a:chExt cx="0" cy="0"/>
+        </a:xfrm>
+      </p:grpSpPr>
+      <p:sp>
+        <p:nvSpPr>
+          <p:cNvPr id="2" name="Заголовок 1"/>
+          <p:cNvSpPr>
+            <a:spLocks noGrp="1"/>
+          </p:cNvSpPr>
+          <p:nvPr>
+            <p:ph type="title"/>
+          </p:nvPr>
+        </p:nvSpPr>
+        <p:spPr>
+          <a:xfrm>
+            <a:off x="646111" y="452718"/>
+            <a:ext cx="9404723" cy="740356"/>
+          </a:xfrm>
+        </p:spPr>
+        <p:txBody>
+          <a:bodyPr/>
+          <a:lstStyle/>
+          <a:p>
+            <a:r>
+              <a:rPr lang="ru-RU" sz="3600" dirty="0" smtClean="0">
+                <a:solidFill>
+                  <a:schemeClr val="tx1"/>
+                </a:solidFill>
+              </a:rPr>
+              <a:t>Задача </a:t>
+            </a:r>
+            <a:r>
+              <a:rPr lang="en-US" sz="3600" dirty="0" smtClean="0">
+                <a:solidFill>
+                  <a:schemeClr val="tx1"/>
+                </a:solidFill>
+              </a:rPr>
+              <a:t>Web-</a:t>
+            </a:r>
+            <a:r>
+              <a:rPr lang="ru-RU" sz="3600" dirty="0" smtClean="0">
+                <a:solidFill>
+                  <a:schemeClr val="tx1"/>
+                </a:solidFill>
+              </a:rPr>
+              <a:t>приложения</a:t>
+            </a:r>
+            <a:r>
+              <a:rPr lang="en-US" sz="3600" dirty="0" smtClean="0">
+                <a:solidFill>
+                  <a:schemeClr val="tx1"/>
+                </a:solidFill>
+              </a:rPr>
+              <a:t>:</a:t>
+            </a:r>
+            <a:endParaRPr lang="ru-RU" sz="3600" dirty="0">
+              <a:solidFill>
+                <a:schemeClr val="tx1"/>
+              </a:solidFill>
+            </a:endParaRPr>
+          </a:p>
+        </p:txBody>
+      </p:sp>
+      <p:sp>
+        <p:nvSpPr>
+          <p:cNvPr id="4" name="TextBox 3"/>
+          <p:cNvSpPr txBox="1"/>
+          <p:nvPr/>
+        </p:nvSpPr>
+        <p:spPr>
+          <a:xfrm>
+            <a:off x="646111" y="2299063"/>
+            <a:ext cx="7829006" cy="830997"/>
+          </a:xfrm>
+          <a:prstGeom prst="rect">
+            <a:avLst/>
+          </a:prstGeom>
+          <a:noFill/>
+        </p:spPr>
+        <p:txBody>
+          <a:bodyPr wrap="square" rtlCol="0">
+            <a:spAutoFit/>
+          </a:bodyPr>
+          <a:lstStyle/>
+          <a:p>
+            <a:r>
+              <a:rPr lang="ru-RU" sz="2400" dirty="0" smtClean="0"/>
+              <a:t>Создать проект, который умеет выводить данные из базы данных(БД) и добавлять новый записи.</a:t>
+            </a:r>
+            <a:endParaRPr lang="ru-RU" sz="2400" dirty="0"/>
+          </a:p>
+        </p:txBody>
+      </p:sp>
+    </p:spTree>
+    <p:extLst>
+      <p:ext uri="{BB962C8B-B14F-4D97-AF65-F5344CB8AC3E}">
+        <p14:creationId xmlns:p14="http://schemas.microsoft.com/office/powerpoint/2010/main" val="1172745086"/>
+      </p:ext>
+    </p:extLst>
+  </p:cSld>
+  <p:clrMapOvr>
+    <a:masterClrMapping/>
+  </p:clrMapOvr>
+  <p:timing>
+    <p:tnLst>
+      <p:par>
+        <p:cTn id="1" dur="indefinite" restart="never" nodeType="tmRoot"/>
+      </p:par>
+    </p:tnLst>
+  </p:timing>
+</p:sld>
+</file>
+
+<file path=ppt/slides/slide16.xml><?xml version="1.0" encoding="utf-8"?>
+<p:sld xmlns:a="http://schemas.openxmlformats.org/drawingml/2006/main" xmlns:r="http://schemas.openxmlformats.org/officeDocument/2006/relationships" xmlns:p="http://schemas.openxmlformats.org/presentationml/2006/main">
+  <p:cSld>
+    <p:spTree>
+      <p:nvGrpSpPr>
+        <p:cNvPr id="1" name=""/>
+        <p:cNvGrpSpPr/>
+        <p:nvPr/>
+      </p:nvGrpSpPr>
+      <p:grpSpPr>
+        <a:xfrm>
+          <a:off x="0" y="0"/>
+          <a:ext cx="0" cy="0"/>
+          <a:chOff x="0" y="0"/>
+          <a:chExt cx="0" cy="0"/>
+        </a:xfrm>
+      </p:grpSpPr>
+      <p:sp>
+        <p:nvSpPr>
+          <p:cNvPr id="2" name="Заголовок 1"/>
+          <p:cNvSpPr>
+            <a:spLocks noGrp="1"/>
+          </p:cNvSpPr>
+          <p:nvPr>
+            <p:ph type="title"/>
+          </p:nvPr>
+        </p:nvSpPr>
+        <p:spPr>
+          <a:xfrm>
+            <a:off x="576443" y="461426"/>
+            <a:ext cx="9404723" cy="1027740"/>
+          </a:xfrm>
+        </p:spPr>
+        <p:txBody>
+          <a:bodyPr/>
+          <a:lstStyle/>
+          <a:p>
+            <a:r>
+              <a:rPr lang="ru-RU" sz="4400" dirty="0" smtClean="0"/>
+              <a:t>Структура приложения:</a:t>
+            </a:r>
+            <a:endParaRPr lang="ru-RU" sz="4400" dirty="0"/>
+          </a:p>
+        </p:txBody>
+      </p:sp>
+      <p:sp>
+        <p:nvSpPr>
+          <p:cNvPr id="3" name="TextBox 2"/>
+          <p:cNvSpPr txBox="1"/>
+          <p:nvPr/>
+        </p:nvSpPr>
+        <p:spPr>
+          <a:xfrm>
+            <a:off x="90330" y="1375953"/>
+            <a:ext cx="9614263" cy="5016758"/>
+          </a:xfrm>
+          <a:prstGeom prst="rect">
+            <a:avLst/>
+          </a:prstGeom>
+          <a:noFill/>
+        </p:spPr>
+        <p:txBody>
+          <a:bodyPr wrap="square" rtlCol="0">
+            <a:spAutoFit/>
+          </a:bodyPr>
+          <a:lstStyle/>
+          <a:p>
+            <a:pPr indent="360000">
+              <a:buFont typeface="Arial" panose="020B0604020202020204" pitchFamily="34" charset="0"/>
+              <a:buChar char="•"/>
+            </a:pPr>
+            <a:r>
+              <a:rPr lang="ru-RU" sz="1600" dirty="0" err="1" smtClean="0">
+                <a:solidFill>
+                  <a:schemeClr val="bg2">
+                    <a:lumMod val="60000"/>
+                    <a:lumOff val="40000"/>
+                  </a:schemeClr>
+                </a:solidFill>
+              </a:rPr>
+              <a:t>Connected</a:t>
+            </a:r>
+            <a:r>
+              <a:rPr lang="ru-RU" sz="1600" dirty="0" smtClean="0">
+                <a:solidFill>
+                  <a:schemeClr val="bg2">
+                    <a:lumMod val="60000"/>
+                    <a:lumOff val="40000"/>
+                  </a:schemeClr>
+                </a:solidFill>
+              </a:rPr>
+              <a:t> </a:t>
+            </a:r>
+            <a:r>
+              <a:rPr lang="ru-RU" sz="1600" dirty="0" err="1" smtClean="0">
+                <a:solidFill>
+                  <a:schemeClr val="bg2">
+                    <a:lumMod val="60000"/>
+                    <a:lumOff val="40000"/>
+                  </a:schemeClr>
+                </a:solidFill>
+              </a:rPr>
+              <a:t>Services</a:t>
+            </a:r>
+            <a:r>
+              <a:rPr lang="ru-RU" sz="1600" dirty="0" smtClean="0">
+                <a:solidFill>
+                  <a:schemeClr val="bg2">
+                    <a:lumMod val="60000"/>
+                    <a:lumOff val="40000"/>
+                  </a:schemeClr>
+                </a:solidFill>
+              </a:rPr>
+              <a:t> </a:t>
+            </a:r>
+            <a:r>
+              <a:rPr lang="ru-RU" sz="1600" dirty="0" smtClean="0"/>
+              <a:t>– подключенные </a:t>
+            </a:r>
+            <a:r>
+              <a:rPr lang="ru-RU" sz="1600" dirty="0"/>
+              <a:t>сервисы из </a:t>
+            </a:r>
+            <a:r>
+              <a:rPr lang="ru-RU" sz="1600" dirty="0" err="1" smtClean="0"/>
+              <a:t>Azure</a:t>
+            </a:r>
+            <a:r>
+              <a:rPr lang="en-US" sz="1600" dirty="0" smtClean="0"/>
+              <a:t>;</a:t>
+            </a:r>
+            <a:endParaRPr lang="ru-RU" sz="1600" dirty="0" smtClean="0"/>
+          </a:p>
+          <a:p>
+            <a:pPr indent="360000">
+              <a:buFont typeface="Arial" panose="020B0604020202020204" pitchFamily="34" charset="0"/>
+              <a:buChar char="•"/>
+            </a:pPr>
+            <a:r>
+              <a:rPr lang="ru-RU" sz="1600" dirty="0" err="1">
+                <a:solidFill>
+                  <a:schemeClr val="bg2">
+                    <a:lumMod val="60000"/>
+                    <a:lumOff val="40000"/>
+                  </a:schemeClr>
+                </a:solidFill>
+              </a:rPr>
+              <a:t>Properties</a:t>
+            </a:r>
+            <a:r>
+              <a:rPr lang="en-US" sz="1600" b="1" dirty="0"/>
+              <a:t> </a:t>
+            </a:r>
+            <a:r>
+              <a:rPr lang="en-US" sz="1600" dirty="0"/>
+              <a:t>– </a:t>
+            </a:r>
+            <a:r>
+              <a:rPr lang="ru-RU" sz="1600" dirty="0"/>
+              <a:t>узел, который содержит некоторые настройки проекта. В частности, в файле </a:t>
+            </a:r>
+            <a:r>
+              <a:rPr lang="en-US" sz="1600" dirty="0" err="1"/>
+              <a:t>launchSettings.json</a:t>
+            </a:r>
+            <a:r>
+              <a:rPr lang="en-US" sz="1600" dirty="0"/>
+              <a:t> </a:t>
+            </a:r>
+            <a:r>
+              <a:rPr lang="ru-RU" sz="1600" dirty="0"/>
+              <a:t>описаны настройки запуска проекта, например, адреса, по которым будет запускаться приложение</a:t>
+            </a:r>
+            <a:r>
+              <a:rPr lang="en-US" sz="1600" dirty="0" smtClean="0"/>
+              <a:t>;</a:t>
+            </a:r>
+          </a:p>
+          <a:p>
+            <a:pPr indent="360000">
+              <a:buFont typeface="Arial" panose="020B0604020202020204" pitchFamily="34" charset="0"/>
+              <a:buChar char="•"/>
+            </a:pPr>
+            <a:r>
+              <a:rPr lang="en-US" sz="1600" dirty="0" err="1" smtClean="0">
+                <a:solidFill>
+                  <a:schemeClr val="bg2">
+                    <a:lumMod val="60000"/>
+                    <a:lumOff val="40000"/>
+                  </a:schemeClr>
+                </a:solidFill>
+              </a:rPr>
+              <a:t>wwwroot</a:t>
+            </a:r>
+            <a:r>
+              <a:rPr lang="en-US" sz="1600" dirty="0" smtClean="0"/>
+              <a:t> - </a:t>
+            </a:r>
+            <a:r>
+              <a:rPr lang="ru-RU" sz="1600" dirty="0"/>
+              <a:t>этот узел (на жестком диске ему соответствует одноименная папка) предназначен для хранения статических файлов - изображений, скриптов </a:t>
+            </a:r>
+            <a:r>
+              <a:rPr lang="ru-RU" sz="1600" dirty="0" err="1"/>
+              <a:t>javascript</a:t>
+            </a:r>
+            <a:r>
+              <a:rPr lang="ru-RU" sz="1600" dirty="0"/>
+              <a:t>, файлов </a:t>
+            </a:r>
+            <a:r>
+              <a:rPr lang="ru-RU" sz="1600" dirty="0" err="1"/>
+              <a:t>css</a:t>
+            </a:r>
+            <a:r>
+              <a:rPr lang="ru-RU" sz="1600" dirty="0"/>
+              <a:t> и т.д., которые используются приложением. Цель добавления этой папки в проект по сравнению с другими версиями ASP.NET, состоит в разграничении доступа к статическим файлам, к которым разрешен доступ со стороны клиента и к которым доступ </a:t>
+            </a:r>
+            <a:r>
+              <a:rPr lang="ru-RU" sz="1600" dirty="0" smtClean="0"/>
+              <a:t>запрещен</a:t>
+            </a:r>
+            <a:r>
+              <a:rPr lang="en-US" sz="1600" dirty="0" smtClean="0"/>
+              <a:t>;</a:t>
+            </a:r>
+            <a:endParaRPr lang="ru-RU" sz="1600" dirty="0"/>
+          </a:p>
+          <a:p>
+            <a:pPr indent="360000">
+              <a:buFont typeface="Arial" panose="020B0604020202020204" pitchFamily="34" charset="0"/>
+              <a:buChar char="•"/>
+            </a:pPr>
+            <a:r>
+              <a:rPr lang="ru-RU" sz="1600" dirty="0" err="1" smtClean="0">
+                <a:solidFill>
+                  <a:schemeClr val="bg2">
+                    <a:lumMod val="60000"/>
+                    <a:lumOff val="40000"/>
+                  </a:schemeClr>
+                </a:solidFill>
+              </a:rPr>
+              <a:t>Dependencies</a:t>
+            </a:r>
+            <a:r>
+              <a:rPr lang="ru-RU" sz="1600" dirty="0" smtClean="0">
+                <a:solidFill>
+                  <a:schemeClr val="bg2">
+                    <a:lumMod val="60000"/>
+                    <a:lumOff val="40000"/>
+                  </a:schemeClr>
+                </a:solidFill>
+              </a:rPr>
+              <a:t> </a:t>
+            </a:r>
+            <a:r>
+              <a:rPr lang="ru-RU" sz="1600" dirty="0">
+                <a:solidFill>
+                  <a:schemeClr val="bg2">
+                    <a:lumMod val="60000"/>
+                    <a:lumOff val="40000"/>
+                  </a:schemeClr>
+                </a:solidFill>
+              </a:rPr>
+              <a:t>(Зависимости) </a:t>
+            </a:r>
+            <a:r>
+              <a:rPr lang="ru-RU" sz="1600" b="1" dirty="0" smtClean="0"/>
+              <a:t>–</a:t>
+            </a:r>
+            <a:r>
+              <a:rPr lang="ru-RU" sz="1600" dirty="0" smtClean="0"/>
+              <a:t> все добавленные </a:t>
+            </a:r>
+            <a:r>
+              <a:rPr lang="ru-RU" sz="1600" dirty="0"/>
+              <a:t>в проект пакеты и </a:t>
+            </a:r>
+            <a:r>
+              <a:rPr lang="ru-RU" sz="1600" dirty="0" smtClean="0"/>
+              <a:t>библиотеки</a:t>
+            </a:r>
+            <a:r>
+              <a:rPr lang="en-US" sz="1600" dirty="0" smtClean="0"/>
+              <a:t>;</a:t>
+            </a:r>
+          </a:p>
+          <a:p>
+            <a:pPr indent="360000">
+              <a:buFont typeface="Arial" panose="020B0604020202020204" pitchFamily="34" charset="0"/>
+              <a:buChar char="•"/>
+            </a:pPr>
+            <a:r>
+              <a:rPr lang="ru-RU" sz="1600" dirty="0" err="1" smtClean="0">
+                <a:solidFill>
+                  <a:schemeClr val="bg2">
+                    <a:lumMod val="60000"/>
+                    <a:lumOff val="40000"/>
+                  </a:schemeClr>
+                </a:solidFill>
+              </a:rPr>
+              <a:t>Models</a:t>
+            </a:r>
+            <a:r>
+              <a:rPr lang="en-US" sz="1600" dirty="0"/>
+              <a:t> </a:t>
+            </a:r>
+            <a:r>
+              <a:rPr lang="en-US" sz="1600" dirty="0" smtClean="0"/>
+              <a:t>– </a:t>
+            </a:r>
+            <a:r>
+              <a:rPr lang="ru-RU" sz="1600" dirty="0" smtClean="0"/>
+              <a:t>каталог </a:t>
+            </a:r>
+            <a:r>
+              <a:rPr lang="ru-RU" sz="1600" dirty="0"/>
+              <a:t>для хранения </a:t>
+            </a:r>
+            <a:r>
+              <a:rPr lang="ru-RU" sz="1600" dirty="0" smtClean="0"/>
+              <a:t>моделей</a:t>
+            </a:r>
+            <a:r>
+              <a:rPr lang="en-US" sz="1600" dirty="0" smtClean="0"/>
+              <a:t>;</a:t>
+            </a:r>
+            <a:endParaRPr lang="en-US" sz="1600" dirty="0"/>
+          </a:p>
+          <a:p>
+            <a:pPr indent="360000">
+              <a:buFont typeface="Arial" panose="020B0604020202020204" pitchFamily="34" charset="0"/>
+              <a:buChar char="•"/>
+            </a:pPr>
+            <a:r>
+              <a:rPr lang="en-US" sz="1600" dirty="0" smtClean="0">
+                <a:solidFill>
+                  <a:schemeClr val="bg2">
+                    <a:lumMod val="60000"/>
+                    <a:lumOff val="40000"/>
+                  </a:schemeClr>
+                </a:solidFill>
+              </a:rPr>
+              <a:t>Pages</a:t>
+            </a:r>
+            <a:r>
+              <a:rPr lang="en-US" sz="1600" dirty="0" smtClean="0"/>
+              <a:t> – </a:t>
+            </a:r>
+            <a:r>
+              <a:rPr lang="ru-RU" sz="1600" dirty="0" smtClean="0"/>
+              <a:t>папка </a:t>
+            </a:r>
+            <a:r>
+              <a:rPr lang="ru-RU" sz="1600" dirty="0"/>
+              <a:t>содержит все страницы </a:t>
+            </a:r>
+            <a:r>
+              <a:rPr lang="ru-RU" sz="1600" dirty="0" err="1"/>
+              <a:t>Razor</a:t>
+            </a:r>
+            <a:r>
+              <a:rPr lang="ru-RU" sz="1600" dirty="0"/>
+              <a:t>, которые есть в проекте по умолчанию. Каждая страница </a:t>
+            </a:r>
+            <a:r>
+              <a:rPr lang="ru-RU" sz="1600" dirty="0" err="1"/>
+              <a:t>Razor</a:t>
+            </a:r>
+            <a:r>
+              <a:rPr lang="ru-RU" sz="1600" dirty="0"/>
+              <a:t> представляет файл с расширением </a:t>
+            </a:r>
+            <a:r>
+              <a:rPr lang="ru-RU" sz="1600" i="1" dirty="0"/>
+              <a:t>.</a:t>
+            </a:r>
+            <a:r>
+              <a:rPr lang="ru-RU" sz="1600" i="1" dirty="0" err="1"/>
+              <a:t>cshtml</a:t>
+            </a:r>
+            <a:r>
+              <a:rPr lang="ru-RU" sz="1600" dirty="0"/>
+              <a:t> и содержит смесь кода </a:t>
+            </a:r>
+            <a:r>
+              <a:rPr lang="ru-RU" sz="1600" dirty="0" err="1"/>
+              <a:t>html</a:t>
+            </a:r>
+            <a:r>
+              <a:rPr lang="ru-RU" sz="1600" dirty="0"/>
+              <a:t> и конструкций C#.</a:t>
+            </a:r>
+            <a:endParaRPr lang="en-US" sz="1600" dirty="0"/>
+          </a:p>
+          <a:p>
+            <a:pPr indent="360000">
+              <a:buFont typeface="Arial" panose="020B0604020202020204" pitchFamily="34" charset="0"/>
+              <a:buChar char="•"/>
+            </a:pPr>
+            <a:r>
+              <a:rPr lang="ru-RU" sz="1600" dirty="0" err="1">
+                <a:solidFill>
+                  <a:schemeClr val="bg2">
+                    <a:lumMod val="60000"/>
+                    <a:lumOff val="40000"/>
+                  </a:schemeClr>
+                </a:solidFill>
+              </a:rPr>
+              <a:t>appsettings.json</a:t>
+            </a:r>
+            <a:r>
+              <a:rPr lang="en-US" sz="1600" dirty="0"/>
+              <a:t> </a:t>
+            </a:r>
+            <a:r>
+              <a:rPr lang="en-US" sz="1600" dirty="0" smtClean="0"/>
+              <a:t>– </a:t>
+            </a:r>
+            <a:r>
+              <a:rPr lang="ru-RU" sz="1600" dirty="0" smtClean="0"/>
+              <a:t>файл </a:t>
+            </a:r>
+            <a:r>
+              <a:rPr lang="ru-RU" sz="1600" dirty="0"/>
+              <a:t>конфигурации проекта в формате </a:t>
+            </a:r>
+            <a:r>
+              <a:rPr lang="ru-RU" sz="1600" dirty="0" err="1" smtClean="0"/>
+              <a:t>json</a:t>
+            </a:r>
+            <a:r>
+              <a:rPr lang="en-US" sz="1600" dirty="0" smtClean="0"/>
+              <a:t>;</a:t>
+            </a:r>
+            <a:endParaRPr lang="en-US" sz="1600" dirty="0"/>
+          </a:p>
+          <a:p>
+            <a:pPr indent="360000">
+              <a:buFont typeface="Arial" panose="020B0604020202020204" pitchFamily="34" charset="0"/>
+              <a:buChar char="•"/>
+            </a:pPr>
+            <a:r>
+              <a:rPr lang="ru-RU" sz="1600" dirty="0" err="1">
+                <a:solidFill>
+                  <a:schemeClr val="bg2">
+                    <a:lumMod val="60000"/>
+                    <a:lumOff val="40000"/>
+                  </a:schemeClr>
+                </a:solidFill>
+              </a:rPr>
+              <a:t>Program.cs</a:t>
+            </a:r>
+            <a:r>
+              <a:rPr lang="en-US" sz="1600" dirty="0"/>
+              <a:t> </a:t>
+            </a:r>
+            <a:r>
+              <a:rPr lang="en-US" sz="1600" dirty="0" smtClean="0"/>
+              <a:t>– </a:t>
+            </a:r>
+            <a:r>
+              <a:rPr lang="ru-RU" sz="1600" dirty="0"/>
+              <a:t>файл, определяющий класс </a:t>
+            </a:r>
+            <a:r>
+              <a:rPr lang="ru-RU" sz="1600" dirty="0" err="1"/>
+              <a:t>Program</a:t>
+            </a:r>
+            <a:r>
+              <a:rPr lang="ru-RU" sz="1600" dirty="0"/>
+              <a:t>, который инициализирует и запускает хост с приложением</a:t>
+            </a:r>
+            <a:r>
+              <a:rPr lang="ru-RU" sz="1600" dirty="0" smtClean="0"/>
+              <a:t>.</a:t>
+            </a:r>
+            <a:endParaRPr lang="en-US" sz="1600" dirty="0" smtClean="0"/>
+          </a:p>
+          <a:p>
+            <a:pPr indent="360000">
+              <a:buFont typeface="Arial" panose="020B0604020202020204" pitchFamily="34" charset="0"/>
+              <a:buChar char="•"/>
+            </a:pPr>
+            <a:r>
+              <a:rPr lang="ru-RU" sz="1600" dirty="0" err="1" smtClean="0">
+                <a:solidFill>
+                  <a:schemeClr val="bg2">
+                    <a:lumMod val="60000"/>
+                    <a:lumOff val="40000"/>
+                  </a:schemeClr>
+                </a:solidFill>
+              </a:rPr>
+              <a:t>Startup.cs</a:t>
+            </a:r>
+            <a:r>
+              <a:rPr lang="en-US" sz="1600" dirty="0" smtClean="0"/>
+              <a:t> – </a:t>
+            </a:r>
+            <a:r>
+              <a:rPr lang="ru-RU" sz="1600" dirty="0"/>
+              <a:t>файл, определяющий класс </a:t>
+            </a:r>
+            <a:r>
+              <a:rPr lang="ru-RU" sz="1600" dirty="0" err="1"/>
+              <a:t>Startup</a:t>
+            </a:r>
+            <a:r>
+              <a:rPr lang="ru-RU" sz="1600" dirty="0"/>
+              <a:t>, с которого начинается работа приложения. То есть это входная точка в приложение.</a:t>
+            </a:r>
+            <a:endParaRPr lang="ru-RU" sz="1600" dirty="0"/>
+          </a:p>
+        </p:txBody>
+      </p:sp>
+      <p:pic>
+        <p:nvPicPr>
+          <p:cNvPr id="4" name="Рисунок 3"/>
+          <p:cNvPicPr>
+            <a:picLocks noChangeAspect="1"/>
+          </p:cNvPicPr>
+          <p:nvPr/>
+        </p:nvPicPr>
+        <p:blipFill>
+          <a:blip r:embed="rId2"/>
+          <a:stretch>
+            <a:fillRect/>
+          </a:stretch>
+        </p:blipFill>
+        <p:spPr>
+          <a:xfrm>
+            <a:off x="9600090" y="2883516"/>
+            <a:ext cx="2257740" cy="2114845"/>
+          </a:xfrm>
+          <a:prstGeom prst="rect">
+            <a:avLst/>
+          </a:prstGeom>
+        </p:spPr>
+      </p:pic>
+    </p:spTree>
+    <p:extLst>
+      <p:ext uri="{BB962C8B-B14F-4D97-AF65-F5344CB8AC3E}">
+        <p14:creationId xmlns:p14="http://schemas.microsoft.com/office/powerpoint/2010/main" val="2059687966"/>
+      </p:ext>
+    </p:extLst>
+  </p:cSld>
+  <p:clrMapOvr>
+    <a:masterClrMapping/>
+  </p:clrMapOvr>
+  <p:timing>
+    <p:tnLst>
+      <p:par>
+        <p:cTn id="1" dur="indefinite" restart="never" nodeType="tmRoot"/>
+      </p:par>
+    </p:tnLst>
+  </p:timing>
+</p:sld>
+</file>
+
+<file path=ppt/slides/slide17.xml><?xml version="1.0" encoding="utf-8"?>
+<p:sld xmlns:a="http://schemas.openxmlformats.org/drawingml/2006/main" xmlns:r="http://schemas.openxmlformats.org/officeDocument/2006/relationships" xmlns:p="http://schemas.openxmlformats.org/presentationml/2006/main">
+  <p:cSld>
+    <p:spTree>
+      <p:nvGrpSpPr>
+        <p:cNvPr id="1" name=""/>
+        <p:cNvGrpSpPr/>
+        <p:nvPr/>
+      </p:nvGrpSpPr>
+      <p:grpSpPr>
+        <a:xfrm>
+          <a:off x="0" y="0"/>
+          <a:ext cx="0" cy="0"/>
+          <a:chOff x="0" y="0"/>
+          <a:chExt cx="0" cy="0"/>
+        </a:xfrm>
+      </p:grpSpPr>
+      <p:sp>
+        <p:nvSpPr>
+          <p:cNvPr id="2" name="Заголовок 1"/>
+          <p:cNvSpPr>
+            <a:spLocks noGrp="1"/>
+          </p:cNvSpPr>
+          <p:nvPr>
+            <p:ph type="title"/>
+          </p:nvPr>
+        </p:nvSpPr>
+        <p:spPr>
+          <a:xfrm>
+            <a:off x="646111" y="452718"/>
+            <a:ext cx="9404723" cy="801316"/>
+          </a:xfrm>
+        </p:spPr>
+        <p:txBody>
+          <a:bodyPr/>
+          <a:lstStyle/>
+          <a:p>
+            <a:r>
+              <a:rPr lang="en-US" sz="3600" dirty="0" err="1"/>
+              <a:t>ApplicationContext.cs</a:t>
+            </a:r>
+            <a:endParaRPr lang="ru-RU" sz="3600" dirty="0"/>
+          </a:p>
+        </p:txBody>
+      </p:sp>
+      <p:sp>
+        <p:nvSpPr>
+          <p:cNvPr id="3" name="TextBox 2"/>
+          <p:cNvSpPr txBox="1"/>
+          <p:nvPr/>
+        </p:nvSpPr>
+        <p:spPr>
+          <a:xfrm>
+            <a:off x="740229" y="1419497"/>
+            <a:ext cx="7889965" cy="1477328"/>
+          </a:xfrm>
+          <a:prstGeom prst="rect">
+            <a:avLst/>
+          </a:prstGeom>
+          <a:noFill/>
+        </p:spPr>
+        <p:txBody>
+          <a:bodyPr wrap="square" rtlCol="0">
+            <a:spAutoFit/>
+          </a:bodyPr>
+          <a:lstStyle/>
+          <a:p>
+            <a:r>
+              <a:rPr lang="ru-RU" dirty="0" smtClean="0"/>
+              <a:t>Данный класс нужен для работы с базой данных. Он имеет:</a:t>
+            </a:r>
+          </a:p>
+          <a:p>
+            <a:pPr marL="285750" indent="-285750">
+              <a:buFont typeface="Arial" panose="020B0604020202020204" pitchFamily="34" charset="0"/>
+              <a:buChar char="•"/>
+            </a:pPr>
+            <a:r>
+              <a:rPr lang="ru-RU" dirty="0" smtClean="0"/>
+              <a:t>конструктор, создающий базу данных.</a:t>
+            </a:r>
+          </a:p>
+          <a:p>
+            <a:pPr marL="285750" indent="-285750">
+              <a:buFont typeface="Arial" panose="020B0604020202020204" pitchFamily="34" charset="0"/>
+              <a:buChar char="•"/>
+            </a:pPr>
+            <a:r>
+              <a:rPr lang="ru-RU" dirty="0" smtClean="0"/>
+              <a:t>Класс </a:t>
+            </a:r>
+            <a:r>
+              <a:rPr lang="en-US" dirty="0" err="1" smtClean="0"/>
+              <a:t>DbSet</a:t>
+            </a:r>
+            <a:r>
+              <a:rPr lang="en-US" dirty="0" smtClean="0"/>
+              <a:t>, </a:t>
+            </a:r>
+            <a:r>
+              <a:rPr lang="ru-RU" dirty="0" smtClean="0"/>
+              <a:t>работающий с базой данных. Это список который принимает модель </a:t>
+            </a:r>
+            <a:r>
+              <a:rPr lang="en-US" dirty="0" smtClean="0"/>
+              <a:t>Person</a:t>
+            </a:r>
+            <a:r>
+              <a:rPr lang="ru-RU" dirty="0" smtClean="0"/>
+              <a:t> на основе который будут создаваться объекты.</a:t>
+            </a:r>
+          </a:p>
+        </p:txBody>
+      </p:sp>
+      <p:pic>
+        <p:nvPicPr>
+          <p:cNvPr id="4" name="Рисунок 3"/>
+          <p:cNvPicPr>
+            <a:picLocks noChangeAspect="1"/>
+          </p:cNvPicPr>
+          <p:nvPr/>
+        </p:nvPicPr>
+        <p:blipFill>
+          <a:blip r:embed="rId2"/>
+          <a:stretch>
+            <a:fillRect/>
+          </a:stretch>
+        </p:blipFill>
+        <p:spPr>
+          <a:xfrm>
+            <a:off x="2604889" y="3634564"/>
+            <a:ext cx="5487166" cy="2514951"/>
+          </a:xfrm>
+          <a:prstGeom prst="rect">
+            <a:avLst/>
+          </a:prstGeom>
+        </p:spPr>
+      </p:pic>
+    </p:spTree>
+    <p:extLst>
+      <p:ext uri="{BB962C8B-B14F-4D97-AF65-F5344CB8AC3E}">
+        <p14:creationId xmlns:p14="http://schemas.microsoft.com/office/powerpoint/2010/main" val="1232140400"/>
+      </p:ext>
+    </p:extLst>
+  </p:cSld>
+  <p:clrMapOvr>
+    <a:masterClrMapping/>
+  </p:clrMapOvr>
+  <p:timing>
+    <p:tnLst>
+      <p:par>
+        <p:cTn id="1" dur="indefinite" restart="never" nodeType="tmRoot"/>
+      </p:par>
+    </p:tnLst>
+  </p:timing>
+</p:sld>
+</file>
+
+<file path=ppt/slides/slide18.xml><?xml version="1.0" encoding="utf-8"?>
+<p:sld xmlns:a="http://schemas.openxmlformats.org/drawingml/2006/main" xmlns:r="http://schemas.openxmlformats.org/officeDocument/2006/relationships" xmlns:p="http://schemas.openxmlformats.org/presentationml/2006/main">
+  <p:cSld>
+    <p:spTree>
+      <p:nvGrpSpPr>
+        <p:cNvPr id="1" name=""/>
+        <p:cNvGrpSpPr/>
+        <p:nvPr/>
+      </p:nvGrpSpPr>
+      <p:grpSpPr>
+        <a:xfrm>
+          <a:off x="0" y="0"/>
+          <a:ext cx="0" cy="0"/>
+          <a:chOff x="0" y="0"/>
+          <a:chExt cx="0" cy="0"/>
+        </a:xfrm>
+      </p:grpSpPr>
+      <p:sp>
+        <p:nvSpPr>
+          <p:cNvPr id="2" name="Заголовок 1"/>
+          <p:cNvSpPr>
+            <a:spLocks noGrp="1"/>
+          </p:cNvSpPr>
+          <p:nvPr>
+            <p:ph type="title"/>
+          </p:nvPr>
+        </p:nvSpPr>
+        <p:spPr>
+          <a:xfrm>
+            <a:off x="646111" y="452718"/>
+            <a:ext cx="9404723" cy="801316"/>
+          </a:xfrm>
+        </p:spPr>
+        <p:txBody>
+          <a:bodyPr/>
+          <a:lstStyle/>
+          <a:p>
+            <a:r>
+              <a:rPr lang="en-US" sz="3600" dirty="0" err="1"/>
+              <a:t>Person.cs</a:t>
+            </a:r>
+            <a:endParaRPr lang="ru-RU" sz="3600" dirty="0"/>
+          </a:p>
+        </p:txBody>
+      </p:sp>
+      <p:sp>
+        <p:nvSpPr>
+          <p:cNvPr id="4" name="TextBox 3"/>
+          <p:cNvSpPr txBox="1"/>
+          <p:nvPr/>
+        </p:nvSpPr>
+        <p:spPr>
+          <a:xfrm>
+            <a:off x="646111" y="2263943"/>
+            <a:ext cx="4213272" cy="2862322"/>
+          </a:xfrm>
+          <a:prstGeom prst="rect">
+            <a:avLst/>
+          </a:prstGeom>
+          <a:noFill/>
+        </p:spPr>
+        <p:txBody>
+          <a:bodyPr wrap="square" rtlCol="0">
+            <a:spAutoFit/>
+          </a:bodyPr>
+          <a:lstStyle/>
+          <a:p>
+            <a:pPr indent="457200"/>
+            <a:r>
+              <a:rPr lang="ru-RU" dirty="0" smtClean="0"/>
+              <a:t>Данный класс называется моделью. Он хранит в себе поля, которые заполняются пользователем. Каждое поле проверяется на некорректный ввод.</a:t>
+            </a:r>
+          </a:p>
+          <a:p>
+            <a:pPr indent="457200"/>
+            <a:r>
+              <a:rPr lang="ru-RU" dirty="0" smtClean="0"/>
+              <a:t>Например, поле </a:t>
+            </a:r>
+            <a:r>
+              <a:rPr lang="en-US" dirty="0" smtClean="0"/>
+              <a:t>Name </a:t>
+            </a:r>
+            <a:r>
+              <a:rPr lang="ru-RU" dirty="0" smtClean="0"/>
+              <a:t>имеет проверку на длину, она должно быть в пределах от 3 до 15 символов.</a:t>
+            </a:r>
+            <a:endParaRPr lang="ru-RU" dirty="0"/>
+          </a:p>
+        </p:txBody>
+      </p:sp>
+      <p:pic>
+        <p:nvPicPr>
+          <p:cNvPr id="5" name="Рисунок 4"/>
+          <p:cNvPicPr>
+            <a:picLocks noChangeAspect="1"/>
+          </p:cNvPicPr>
+          <p:nvPr/>
+        </p:nvPicPr>
+        <p:blipFill>
+          <a:blip r:embed="rId2"/>
+          <a:stretch>
+            <a:fillRect/>
+          </a:stretch>
+        </p:blipFill>
+        <p:spPr>
+          <a:xfrm>
+            <a:off x="5115309" y="1428206"/>
+            <a:ext cx="6563641" cy="4810796"/>
+          </a:xfrm>
+          <a:prstGeom prst="rect">
+            <a:avLst/>
+          </a:prstGeom>
+        </p:spPr>
+      </p:pic>
+    </p:spTree>
+    <p:extLst>
+      <p:ext uri="{BB962C8B-B14F-4D97-AF65-F5344CB8AC3E}">
+        <p14:creationId xmlns:p14="http://schemas.microsoft.com/office/powerpoint/2010/main" val="2340806370"/>
+      </p:ext>
+    </p:extLst>
+  </p:cSld>
+  <p:clrMapOvr>
+    <a:masterClrMapping/>
+  </p:clrMapOvr>
+  <p:timing>
+    <p:tnLst>
+      <p:par>
+        <p:cTn id="1" dur="indefinite" restart="never" nodeType="tmRoot"/>
+      </p:par>
+    </p:tnLst>
+  </p:timing>
+</p:sld>
+</file>
+
+<file path=ppt/slides/slide19.xml><?xml version="1.0" encoding="utf-8"?>
+<p:sld xmlns:a="http://schemas.openxmlformats.org/drawingml/2006/main" xmlns:r="http://schemas.openxmlformats.org/officeDocument/2006/relationships" xmlns:p="http://schemas.openxmlformats.org/presentationml/2006/main">
+  <p:cSld>
+    <p:spTree>
+      <p:nvGrpSpPr>
+        <p:cNvPr id="1" name=""/>
+        <p:cNvGrpSpPr/>
+        <p:nvPr/>
+      </p:nvGrpSpPr>
+      <p:grpSpPr>
+        <a:xfrm>
+          <a:off x="0" y="0"/>
+          <a:ext cx="0" cy="0"/>
+          <a:chOff x="0" y="0"/>
+          <a:chExt cx="0" cy="0"/>
+        </a:xfrm>
+      </p:grpSpPr>
+      <p:sp>
+        <p:nvSpPr>
+          <p:cNvPr id="2" name="Заголовок 1"/>
+          <p:cNvSpPr>
+            <a:spLocks noGrp="1"/>
+          </p:cNvSpPr>
+          <p:nvPr>
+            <p:ph type="title"/>
+          </p:nvPr>
+        </p:nvSpPr>
+        <p:spPr>
+          <a:xfrm>
+            <a:off x="646111" y="452718"/>
+            <a:ext cx="9404723" cy="801316"/>
+          </a:xfrm>
+        </p:spPr>
+        <p:txBody>
+          <a:bodyPr/>
+          <a:lstStyle/>
+          <a:p>
+            <a:r>
+              <a:rPr lang="ru-RU" sz="3600" dirty="0" smtClean="0"/>
+              <a:t>Папка </a:t>
+            </a:r>
+            <a:r>
+              <a:rPr lang="en-US" sz="3600" dirty="0" smtClean="0"/>
+              <a:t>Pages</a:t>
+            </a:r>
+            <a:endParaRPr lang="ru-RU" sz="3600" dirty="0"/>
+          </a:p>
+        </p:txBody>
+      </p:sp>
+      <p:sp>
+        <p:nvSpPr>
+          <p:cNvPr id="7" name="Прямоугольник 6"/>
+          <p:cNvSpPr/>
+          <p:nvPr/>
+        </p:nvSpPr>
+        <p:spPr>
+          <a:xfrm>
+            <a:off x="646110" y="1254034"/>
+            <a:ext cx="10265729" cy="4570482"/>
+          </a:xfrm>
+          <a:prstGeom prst="rect">
+            <a:avLst/>
+          </a:prstGeom>
+        </p:spPr>
+        <p:txBody>
+          <a:bodyPr wrap="square">
+            <a:spAutoFit/>
+          </a:bodyPr>
+          <a:lstStyle/>
+          <a:p>
+            <a:pPr algn="just"/>
+            <a:r>
+              <a:rPr lang="ru-RU" dirty="0"/>
+              <a:t>По умолчанию в </a:t>
+            </a:r>
+            <a:r>
+              <a:rPr lang="ru-RU" dirty="0" smtClean="0"/>
+              <a:t>данной папке имеются </a:t>
+            </a:r>
+            <a:r>
+              <a:rPr lang="ru-RU" dirty="0"/>
+              <a:t>следующие файлы</a:t>
+            </a:r>
+            <a:r>
+              <a:rPr lang="ru-RU" dirty="0" smtClean="0"/>
+              <a:t>:</a:t>
+            </a:r>
+            <a:endParaRPr lang="ru-RU" dirty="0"/>
+          </a:p>
+          <a:p>
+            <a:pPr marL="285750" indent="-285750" algn="just">
+              <a:spcAft>
+                <a:spcPts val="1800"/>
+              </a:spcAft>
+              <a:buFont typeface="Arial" panose="020B0604020202020204" pitchFamily="34" charset="0"/>
+              <a:buChar char="•"/>
+            </a:pPr>
+            <a:r>
+              <a:rPr lang="ru-RU" dirty="0"/>
+              <a:t>_</a:t>
+            </a:r>
+            <a:r>
+              <a:rPr lang="ru-RU" dirty="0" err="1" smtClean="0"/>
+              <a:t>Layout.cshtml</a:t>
+            </a:r>
+            <a:r>
+              <a:rPr lang="ru-RU" dirty="0" smtClean="0"/>
+              <a:t> – мастер-страница</a:t>
+            </a:r>
+            <a:r>
+              <a:rPr lang="ru-RU" dirty="0"/>
+              <a:t>, в которую вставляются страницы </a:t>
+            </a:r>
+            <a:r>
+              <a:rPr lang="ru-RU" dirty="0" err="1" smtClean="0"/>
+              <a:t>Razor</a:t>
+            </a:r>
+            <a:r>
+              <a:rPr lang="en-US" dirty="0" smtClean="0"/>
+              <a:t>;</a:t>
+            </a:r>
+          </a:p>
+          <a:p>
+            <a:pPr marL="285750" indent="-285750" algn="just">
+              <a:spcAft>
+                <a:spcPts val="1800"/>
+              </a:spcAft>
+              <a:buFont typeface="Arial" panose="020B0604020202020204" pitchFamily="34" charset="0"/>
+              <a:buChar char="•"/>
+            </a:pPr>
+            <a:r>
+              <a:rPr lang="ru-RU" dirty="0" smtClean="0"/>
+              <a:t>_</a:t>
+            </a:r>
+            <a:r>
+              <a:rPr lang="ru-RU" dirty="0" err="1" smtClean="0"/>
+              <a:t>ViewStart.cshtml</a:t>
+            </a:r>
+            <a:r>
+              <a:rPr lang="en-US" dirty="0" smtClean="0"/>
+              <a:t> – </a:t>
+            </a:r>
+            <a:r>
+              <a:rPr lang="ru-RU" dirty="0" smtClean="0"/>
+              <a:t>задает мастер-страницу</a:t>
+            </a:r>
+            <a:r>
+              <a:rPr lang="en-US" dirty="0" smtClean="0"/>
+              <a:t>;</a:t>
+            </a:r>
+          </a:p>
+          <a:p>
+            <a:pPr marL="285750" indent="-285750" algn="just">
+              <a:spcAft>
+                <a:spcPts val="1800"/>
+              </a:spcAft>
+              <a:buFont typeface="Arial" panose="020B0604020202020204" pitchFamily="34" charset="0"/>
+              <a:buChar char="•"/>
+            </a:pPr>
+            <a:r>
+              <a:rPr lang="ru-RU" dirty="0" smtClean="0"/>
+              <a:t>_</a:t>
+            </a:r>
+            <a:r>
+              <a:rPr lang="ru-RU" dirty="0" err="1" smtClean="0"/>
+              <a:t>ViewImports.cshtml</a:t>
+            </a:r>
+            <a:r>
+              <a:rPr lang="en-US" dirty="0" smtClean="0"/>
+              <a:t> – </a:t>
+            </a:r>
+            <a:r>
+              <a:rPr lang="ru-RU" dirty="0" smtClean="0"/>
+              <a:t>определяет </a:t>
+            </a:r>
+            <a:r>
+              <a:rPr lang="ru-RU" dirty="0"/>
+              <a:t>директивы </a:t>
+            </a:r>
+            <a:r>
+              <a:rPr lang="ru-RU" dirty="0" err="1"/>
+              <a:t>Razor</a:t>
+            </a:r>
+            <a:r>
+              <a:rPr lang="ru-RU" dirty="0"/>
+              <a:t>, которые добавляются на каждую страницу </a:t>
+            </a:r>
+            <a:r>
+              <a:rPr lang="ru-RU" dirty="0" err="1" smtClean="0"/>
+              <a:t>Razor</a:t>
+            </a:r>
+            <a:endParaRPr lang="en-US" dirty="0" smtClean="0"/>
+          </a:p>
+          <a:p>
+            <a:pPr marL="285750" indent="-285750" algn="just">
+              <a:spcAft>
+                <a:spcPts val="1800"/>
+              </a:spcAft>
+              <a:buFont typeface="Arial" panose="020B0604020202020204" pitchFamily="34" charset="0"/>
+              <a:buChar char="•"/>
+            </a:pPr>
+            <a:r>
+              <a:rPr lang="ru-RU" dirty="0" smtClean="0"/>
+              <a:t>_</a:t>
+            </a:r>
+            <a:r>
+              <a:rPr lang="ru-RU" dirty="0" err="1" smtClean="0"/>
+              <a:t>ValidationScriptsPartial.cshtml</a:t>
+            </a:r>
+            <a:r>
+              <a:rPr lang="en-US" dirty="0" smtClean="0"/>
+              <a:t> – </a:t>
+            </a:r>
+            <a:r>
+              <a:rPr lang="ru-RU" dirty="0" smtClean="0"/>
+              <a:t>частичное </a:t>
+            </a:r>
+            <a:r>
+              <a:rPr lang="ru-RU" dirty="0"/>
+              <a:t>представление, которое подключает </a:t>
+            </a:r>
+            <a:r>
+              <a:rPr lang="ru-RU" dirty="0" err="1"/>
+              <a:t>js</a:t>
+            </a:r>
+            <a:r>
+              <a:rPr lang="ru-RU" dirty="0"/>
+              <a:t>-скрипты </a:t>
+            </a:r>
+            <a:r>
+              <a:rPr lang="ru-RU" dirty="0" err="1"/>
+              <a:t>валидации</a:t>
+            </a:r>
+            <a:r>
+              <a:rPr lang="ru-RU" dirty="0"/>
+              <a:t> на стороне </a:t>
+            </a:r>
+            <a:r>
+              <a:rPr lang="ru-RU" dirty="0" smtClean="0"/>
+              <a:t>клиента</a:t>
+            </a:r>
+            <a:endParaRPr lang="en-US" dirty="0" smtClean="0"/>
+          </a:p>
+          <a:p>
+            <a:pPr marL="285750" indent="-285750" algn="just">
+              <a:spcAft>
+                <a:spcPts val="1800"/>
+              </a:spcAft>
+              <a:buFont typeface="Arial" panose="020B0604020202020204" pitchFamily="34" charset="0"/>
+              <a:buChar char="•"/>
+            </a:pPr>
+            <a:r>
+              <a:rPr lang="en-US" dirty="0" err="1" smtClean="0"/>
+              <a:t>About.cshtml</a:t>
+            </a:r>
+            <a:r>
+              <a:rPr lang="en-US" dirty="0"/>
+              <a:t>, </a:t>
+            </a:r>
+            <a:r>
+              <a:rPr lang="en-US" dirty="0" err="1" smtClean="0"/>
+              <a:t>Contact.cshtml</a:t>
+            </a:r>
+            <a:r>
+              <a:rPr lang="en-US" dirty="0" smtClean="0"/>
+              <a:t>, </a:t>
+            </a:r>
+            <a:r>
+              <a:rPr lang="ru-RU" dirty="0" err="1"/>
+              <a:t>Error.cshtml</a:t>
+            </a:r>
+            <a:r>
+              <a:rPr lang="en-US" dirty="0"/>
+              <a:t>,</a:t>
+            </a:r>
+            <a:r>
+              <a:rPr lang="en-US" dirty="0" smtClean="0"/>
+              <a:t> </a:t>
+            </a:r>
+            <a:r>
+              <a:rPr lang="ru-RU" dirty="0" err="1" smtClean="0"/>
+              <a:t>Index.cshtml</a:t>
+            </a:r>
+            <a:r>
+              <a:rPr lang="en-US" dirty="0" smtClean="0"/>
+              <a:t> </a:t>
+            </a:r>
+            <a:r>
+              <a:rPr lang="ru-RU" dirty="0" smtClean="0"/>
+              <a:t>и </a:t>
+            </a:r>
+            <a:r>
+              <a:rPr lang="ru-RU" dirty="0" err="1" smtClean="0"/>
+              <a:t>Privacy.cshtml</a:t>
+            </a:r>
+            <a:r>
+              <a:rPr lang="ru-RU" dirty="0"/>
+              <a:t>: собственно страницы </a:t>
+            </a:r>
+            <a:r>
+              <a:rPr lang="ru-RU" dirty="0" err="1"/>
+              <a:t>Razor</a:t>
+            </a:r>
+            <a:r>
+              <a:rPr lang="ru-RU" dirty="0"/>
+              <a:t>, которые определяют визуальную часть страницы и логику обработки запроса</a:t>
+            </a:r>
+            <a:r>
+              <a:rPr lang="ru-RU" dirty="0" smtClean="0"/>
+              <a:t>.</a:t>
+            </a:r>
+          </a:p>
+          <a:p>
+            <a:pPr algn="just">
+              <a:spcAft>
+                <a:spcPts val="1800"/>
+              </a:spcAft>
+            </a:pPr>
+            <a:r>
+              <a:rPr lang="ru-RU" dirty="0" smtClean="0"/>
+              <a:t>Так же в созданной папке </a:t>
+            </a:r>
+            <a:r>
+              <a:rPr lang="en-US" dirty="0" smtClean="0"/>
+              <a:t>People</a:t>
+            </a:r>
+            <a:r>
+              <a:rPr lang="ru-RU" dirty="0" smtClean="0"/>
+              <a:t> имеется страница </a:t>
+            </a:r>
+            <a:r>
+              <a:rPr lang="en-US" dirty="0" err="1" smtClean="0"/>
+              <a:t>Index.cshtml</a:t>
+            </a:r>
+            <a:r>
+              <a:rPr lang="ru-RU" dirty="0" smtClean="0"/>
+              <a:t>, данная страница создана для вывода, добавления и удаления пользователей в базу данных.</a:t>
+            </a:r>
+            <a:endParaRPr lang="ru-RU" dirty="0"/>
+          </a:p>
+        </p:txBody>
+      </p:sp>
+    </p:spTree>
+    <p:extLst>
+      <p:ext uri="{BB962C8B-B14F-4D97-AF65-F5344CB8AC3E}">
+        <p14:creationId xmlns:p14="http://schemas.microsoft.com/office/powerpoint/2010/main" val="3331185387"/>
+      </p:ext>
+    </p:extLst>
+  </p:cSld>
+  <p:clrMapOvr>
+    <a:masterClrMapping/>
+  </p:clrMapOvr>
+  <p:timing>
+    <p:tnLst>
+      <p:par>
+        <p:cTn id="1" dur="indefinite" restart="never" nodeType="tmRoot"/>
+      </p:par>
+    </p:tnLst>
+  </p:timing>
 </p:sld>
 </file>
 
@@ -7476,7 +9001,11 @@
           <a:p>
             <a:r>
               <a:rPr lang="ru-RU" dirty="0" smtClean="0"/>
-              <a:t>Задача приложения</a:t>
+              <a:t>Задача </a:t>
+            </a:r>
+            <a:r>
+              <a:rPr lang="ru-RU" dirty="0" smtClean="0"/>
+              <a:t>консольной утилиты:</a:t>
             </a:r>
             <a:endParaRPr lang="ru-RU" dirty="0"/>
           </a:p>
@@ -7523,7 +9052,11 @@
             </a:r>
             <a:r>
               <a:rPr lang="ru-RU" sz="2400" dirty="0" smtClean="0"/>
-              <a:t>адрес, который существует в </a:t>
+              <a:t>адрес, существующие </a:t>
+            </a:r>
+            <a:r>
+              <a:rPr lang="ru-RU" sz="2400" dirty="0" smtClean="0"/>
+              <a:t>в </a:t>
             </a:r>
             <a:r>
               <a:rPr lang="en-US" sz="2400" dirty="0" smtClean="0"/>
@@ -7531,7 +9064,15 @@
             </a:r>
             <a:r>
               <a:rPr lang="ru-RU" sz="2400" dirty="0" smtClean="0"/>
-              <a:t>файле, определенное количество раз с точными интервалами времени, которые прописаны в том же файле.</a:t>
+              <a:t>файле, определенное количество раз с точными интервалами </a:t>
+            </a:r>
+            <a:r>
+              <a:rPr lang="ru-RU" sz="2400" dirty="0" smtClean="0"/>
+              <a:t>времени, прописанными </a:t>
+            </a:r>
+            <a:r>
+              <a:rPr lang="ru-RU" sz="2400" dirty="0" smtClean="0"/>
+              <a:t>в том же файле.</a:t>
             </a:r>
             <a:endParaRPr lang="ru-RU" sz="2400" dirty="0"/>
           </a:p>
@@ -7547,6 +9088,1087 @@
   <p:clrMapOvr>
     <a:masterClrMapping/>
   </p:clrMapOvr>
+  <p:timing>
+    <p:tnLst>
+      <p:par>
+        <p:cTn id="1" dur="indefinite" restart="never" nodeType="tmRoot"/>
+      </p:par>
+    </p:tnLst>
+  </p:timing>
+</p:sld>
+</file>
+
+<file path=ppt/slides/slide20.xml><?xml version="1.0" encoding="utf-8"?>
+<p:sld xmlns:a="http://schemas.openxmlformats.org/drawingml/2006/main" xmlns:r="http://schemas.openxmlformats.org/officeDocument/2006/relationships" xmlns:p="http://schemas.openxmlformats.org/presentationml/2006/main">
+  <p:cSld>
+    <p:spTree>
+      <p:nvGrpSpPr>
+        <p:cNvPr id="1" name=""/>
+        <p:cNvGrpSpPr/>
+        <p:nvPr/>
+      </p:nvGrpSpPr>
+      <p:grpSpPr>
+        <a:xfrm>
+          <a:off x="0" y="0"/>
+          <a:ext cx="0" cy="0"/>
+          <a:chOff x="0" y="0"/>
+          <a:chExt cx="0" cy="0"/>
+        </a:xfrm>
+      </p:grpSpPr>
+      <p:sp>
+        <p:nvSpPr>
+          <p:cNvPr id="2" name="Заголовок 1"/>
+          <p:cNvSpPr>
+            <a:spLocks noGrp="1"/>
+          </p:cNvSpPr>
+          <p:nvPr>
+            <p:ph type="title"/>
+          </p:nvPr>
+        </p:nvSpPr>
+        <p:spPr>
+          <a:xfrm>
+            <a:off x="646111" y="452718"/>
+            <a:ext cx="9404723" cy="801316"/>
+          </a:xfrm>
+        </p:spPr>
+        <p:txBody>
+          <a:bodyPr/>
+          <a:lstStyle/>
+          <a:p>
+            <a:r>
+              <a:rPr lang="en-US" sz="3600" dirty="0" err="1"/>
+              <a:t>Index.cshtml</a:t>
+            </a:r>
+            <a:endParaRPr lang="ru-RU" sz="3600" dirty="0"/>
+          </a:p>
+        </p:txBody>
+      </p:sp>
+      <p:pic>
+        <p:nvPicPr>
+          <p:cNvPr id="5" name="Рисунок 4"/>
+          <p:cNvPicPr>
+            <a:picLocks noChangeAspect="1"/>
+          </p:cNvPicPr>
+          <p:nvPr/>
+        </p:nvPicPr>
+        <p:blipFill>
+          <a:blip r:embed="rId2"/>
+          <a:stretch>
+            <a:fillRect/>
+          </a:stretch>
+        </p:blipFill>
+        <p:spPr>
+          <a:xfrm>
+            <a:off x="826776" y="2752130"/>
+            <a:ext cx="9043391" cy="3651987"/>
+          </a:xfrm>
+          <a:prstGeom prst="rect">
+            <a:avLst/>
+          </a:prstGeom>
+        </p:spPr>
+      </p:pic>
+      <p:sp>
+        <p:nvSpPr>
+          <p:cNvPr id="8" name="TextBox 7"/>
+          <p:cNvSpPr txBox="1"/>
+          <p:nvPr/>
+        </p:nvSpPr>
+        <p:spPr>
+          <a:xfrm>
+            <a:off x="826776" y="1541417"/>
+            <a:ext cx="9043391" cy="923330"/>
+          </a:xfrm>
+          <a:prstGeom prst="rect">
+            <a:avLst/>
+          </a:prstGeom>
+          <a:noFill/>
+        </p:spPr>
+        <p:txBody>
+          <a:bodyPr wrap="square" rtlCol="0">
+            <a:spAutoFit/>
+          </a:bodyPr>
+          <a:lstStyle/>
+          <a:p>
+            <a:r>
+              <a:rPr lang="ru-RU" dirty="0" smtClean="0"/>
+              <a:t>В ней данный </a:t>
+            </a:r>
+            <a:r>
+              <a:rPr lang="en-US" dirty="0" smtClean="0"/>
+              <a:t>html</a:t>
+            </a:r>
+            <a:r>
+              <a:rPr lang="ru-RU" dirty="0" smtClean="0"/>
+              <a:t> код, позволяющий создать таблицу и вывести данные из базы данных. Также в нем существует кнопка удаления, которая при нажатии отправляет метод «</a:t>
+            </a:r>
+            <a:r>
+              <a:rPr lang="en-US" dirty="0" smtClean="0"/>
+              <a:t>post</a:t>
+            </a:r>
+            <a:r>
+              <a:rPr lang="ru-RU" dirty="0" smtClean="0"/>
+              <a:t>»</a:t>
+            </a:r>
+            <a:r>
+              <a:rPr lang="ru-RU" dirty="0"/>
+              <a:t> </a:t>
+            </a:r>
+            <a:r>
+              <a:rPr lang="ru-RU" dirty="0" smtClean="0"/>
+              <a:t>на сервер.</a:t>
+            </a:r>
+            <a:endParaRPr lang="ru-RU" dirty="0"/>
+          </a:p>
+        </p:txBody>
+      </p:sp>
+    </p:spTree>
+    <p:extLst>
+      <p:ext uri="{BB962C8B-B14F-4D97-AF65-F5344CB8AC3E}">
+        <p14:creationId xmlns:p14="http://schemas.microsoft.com/office/powerpoint/2010/main" val="2079260100"/>
+      </p:ext>
+    </p:extLst>
+  </p:cSld>
+  <p:clrMapOvr>
+    <a:masterClrMapping/>
+  </p:clrMapOvr>
+  <p:timing>
+    <p:tnLst>
+      <p:par>
+        <p:cTn id="1" dur="indefinite" restart="never" nodeType="tmRoot"/>
+      </p:par>
+    </p:tnLst>
+  </p:timing>
+</p:sld>
+</file>
+
+<file path=ppt/slides/slide21.xml><?xml version="1.0" encoding="utf-8"?>
+<p:sld xmlns:a="http://schemas.openxmlformats.org/drawingml/2006/main" xmlns:r="http://schemas.openxmlformats.org/officeDocument/2006/relationships" xmlns:p="http://schemas.openxmlformats.org/presentationml/2006/main">
+  <p:cSld>
+    <p:spTree>
+      <p:nvGrpSpPr>
+        <p:cNvPr id="1" name=""/>
+        <p:cNvGrpSpPr/>
+        <p:nvPr/>
+      </p:nvGrpSpPr>
+      <p:grpSpPr>
+        <a:xfrm>
+          <a:off x="0" y="0"/>
+          <a:ext cx="0" cy="0"/>
+          <a:chOff x="0" y="0"/>
+          <a:chExt cx="0" cy="0"/>
+        </a:xfrm>
+      </p:grpSpPr>
+      <p:sp>
+        <p:nvSpPr>
+          <p:cNvPr id="2" name="Заголовок 1"/>
+          <p:cNvSpPr>
+            <a:spLocks noGrp="1"/>
+          </p:cNvSpPr>
+          <p:nvPr>
+            <p:ph type="title"/>
+          </p:nvPr>
+        </p:nvSpPr>
+        <p:spPr>
+          <a:xfrm>
+            <a:off x="646111" y="452718"/>
+            <a:ext cx="9404723" cy="801316"/>
+          </a:xfrm>
+        </p:spPr>
+        <p:txBody>
+          <a:bodyPr/>
+          <a:lstStyle/>
+          <a:p>
+            <a:r>
+              <a:rPr lang="en-US" sz="3600" dirty="0" err="1"/>
+              <a:t>Index.cshtml</a:t>
+            </a:r>
+            <a:endParaRPr lang="ru-RU" sz="3600" dirty="0"/>
+          </a:p>
+        </p:txBody>
+      </p:sp>
+      <p:sp>
+        <p:nvSpPr>
+          <p:cNvPr id="8" name="TextBox 7"/>
+          <p:cNvSpPr txBox="1"/>
+          <p:nvPr/>
+        </p:nvSpPr>
+        <p:spPr>
+          <a:xfrm>
+            <a:off x="646111" y="3105828"/>
+            <a:ext cx="4424493" cy="1477328"/>
+          </a:xfrm>
+          <a:prstGeom prst="rect">
+            <a:avLst/>
+          </a:prstGeom>
+          <a:noFill/>
+        </p:spPr>
+        <p:txBody>
+          <a:bodyPr wrap="square" rtlCol="0">
+            <a:spAutoFit/>
+          </a:bodyPr>
+          <a:lstStyle/>
+          <a:p>
+            <a:r>
+              <a:rPr lang="ru-RU" dirty="0" smtClean="0"/>
+              <a:t>В этом же файле находится форма для заполнения полей класса </a:t>
+            </a:r>
+            <a:r>
+              <a:rPr lang="en-US" dirty="0" smtClean="0"/>
+              <a:t>Person</a:t>
+            </a:r>
+            <a:r>
+              <a:rPr lang="ru-RU" dirty="0" smtClean="0"/>
+              <a:t> и кнопка добавления, отправляющая метод «</a:t>
+            </a:r>
+            <a:r>
+              <a:rPr lang="en-US" dirty="0" smtClean="0"/>
+              <a:t>post</a:t>
+            </a:r>
+            <a:r>
+              <a:rPr lang="ru-RU" dirty="0" smtClean="0"/>
+              <a:t>» на сервер и добавляется дынные в БД</a:t>
+            </a:r>
+            <a:endParaRPr lang="ru-RU" dirty="0"/>
+          </a:p>
+        </p:txBody>
+      </p:sp>
+      <p:pic>
+        <p:nvPicPr>
+          <p:cNvPr id="3" name="Рисунок 2"/>
+          <p:cNvPicPr>
+            <a:picLocks noChangeAspect="1"/>
+          </p:cNvPicPr>
+          <p:nvPr/>
+        </p:nvPicPr>
+        <p:blipFill>
+          <a:blip r:embed="rId2"/>
+          <a:stretch>
+            <a:fillRect/>
+          </a:stretch>
+        </p:blipFill>
+        <p:spPr>
+          <a:xfrm>
+            <a:off x="5522642" y="1658199"/>
+            <a:ext cx="5925377" cy="4372585"/>
+          </a:xfrm>
+          <a:prstGeom prst="rect">
+            <a:avLst/>
+          </a:prstGeom>
+        </p:spPr>
+      </p:pic>
+    </p:spTree>
+    <p:extLst>
+      <p:ext uri="{BB962C8B-B14F-4D97-AF65-F5344CB8AC3E}">
+        <p14:creationId xmlns:p14="http://schemas.microsoft.com/office/powerpoint/2010/main" val="394404522"/>
+      </p:ext>
+    </p:extLst>
+  </p:cSld>
+  <p:clrMapOvr>
+    <a:masterClrMapping/>
+  </p:clrMapOvr>
+  <p:timing>
+    <p:tnLst>
+      <p:par>
+        <p:cTn id="1" dur="indefinite" restart="never" nodeType="tmRoot"/>
+      </p:par>
+    </p:tnLst>
+  </p:timing>
+</p:sld>
+</file>
+
+<file path=ppt/slides/slide22.xml><?xml version="1.0" encoding="utf-8"?>
+<p:sld xmlns:a="http://schemas.openxmlformats.org/drawingml/2006/main" xmlns:r="http://schemas.openxmlformats.org/officeDocument/2006/relationships" xmlns:p="http://schemas.openxmlformats.org/presentationml/2006/main">
+  <p:cSld>
+    <p:spTree>
+      <p:nvGrpSpPr>
+        <p:cNvPr id="1" name=""/>
+        <p:cNvGrpSpPr/>
+        <p:nvPr/>
+      </p:nvGrpSpPr>
+      <p:grpSpPr>
+        <a:xfrm>
+          <a:off x="0" y="0"/>
+          <a:ext cx="0" cy="0"/>
+          <a:chOff x="0" y="0"/>
+          <a:chExt cx="0" cy="0"/>
+        </a:xfrm>
+      </p:grpSpPr>
+      <p:sp>
+        <p:nvSpPr>
+          <p:cNvPr id="2" name="Заголовок 1"/>
+          <p:cNvSpPr>
+            <a:spLocks noGrp="1"/>
+          </p:cNvSpPr>
+          <p:nvPr>
+            <p:ph type="title"/>
+          </p:nvPr>
+        </p:nvSpPr>
+        <p:spPr>
+          <a:xfrm>
+            <a:off x="646111" y="452718"/>
+            <a:ext cx="9404723" cy="679396"/>
+          </a:xfrm>
+        </p:spPr>
+        <p:txBody>
+          <a:bodyPr/>
+          <a:lstStyle/>
+          <a:p>
+            <a:r>
+              <a:rPr lang="en-US" sz="3600" dirty="0" err="1"/>
+              <a:t>Index.cshtml.cs</a:t>
+            </a:r>
+            <a:endParaRPr lang="ru-RU" sz="3600" dirty="0"/>
+          </a:p>
+        </p:txBody>
+      </p:sp>
+      <p:pic>
+        <p:nvPicPr>
+          <p:cNvPr id="3" name="Рисунок 2"/>
+          <p:cNvPicPr>
+            <a:picLocks noChangeAspect="1"/>
+          </p:cNvPicPr>
+          <p:nvPr/>
+        </p:nvPicPr>
+        <p:blipFill>
+          <a:blip r:embed="rId2"/>
+          <a:stretch>
+            <a:fillRect/>
+          </a:stretch>
+        </p:blipFill>
+        <p:spPr>
+          <a:xfrm>
+            <a:off x="7271603" y="2051584"/>
+            <a:ext cx="4667901" cy="3381847"/>
+          </a:xfrm>
+          <a:prstGeom prst="rect">
+            <a:avLst/>
+          </a:prstGeom>
+        </p:spPr>
+      </p:pic>
+      <p:sp>
+        <p:nvSpPr>
+          <p:cNvPr id="4" name="TextBox 3"/>
+          <p:cNvSpPr txBox="1"/>
+          <p:nvPr/>
+        </p:nvSpPr>
+        <p:spPr>
+          <a:xfrm>
+            <a:off x="766354" y="1907177"/>
+            <a:ext cx="5364480" cy="4154984"/>
+          </a:xfrm>
+          <a:prstGeom prst="rect">
+            <a:avLst/>
+          </a:prstGeom>
+          <a:noFill/>
+        </p:spPr>
+        <p:txBody>
+          <a:bodyPr wrap="square" rtlCol="0">
+            <a:spAutoFit/>
+          </a:bodyPr>
+          <a:lstStyle/>
+          <a:p>
+            <a:pPr marL="144000" indent="-360000">
+              <a:spcAft>
+                <a:spcPts val="1200"/>
+              </a:spcAft>
+              <a:buFont typeface="Arial" panose="020B0604020202020204" pitchFamily="34" charset="0"/>
+              <a:buChar char="•"/>
+            </a:pPr>
+            <a:r>
+              <a:rPr lang="ru-RU" dirty="0" smtClean="0"/>
+              <a:t>В конструктор данного класса передается объект </a:t>
+            </a:r>
+            <a:r>
+              <a:rPr lang="en-US" dirty="0" err="1" smtClean="0"/>
+              <a:t>ApplicationContext.cs</a:t>
+            </a:r>
+            <a:r>
+              <a:rPr lang="ru-RU" dirty="0" smtClean="0"/>
+              <a:t> с базой данных.</a:t>
+            </a:r>
+          </a:p>
+          <a:p>
+            <a:pPr marL="144000" indent="-360000">
+              <a:spcAft>
+                <a:spcPts val="1200"/>
+              </a:spcAft>
+              <a:buFont typeface="Arial" panose="020B0604020202020204" pitchFamily="34" charset="0"/>
+              <a:buChar char="•"/>
+            </a:pPr>
+            <a:r>
+              <a:rPr lang="ru-RU" dirty="0" smtClean="0"/>
+              <a:t>Метод </a:t>
+            </a:r>
+            <a:r>
+              <a:rPr lang="en-US" dirty="0" err="1" smtClean="0"/>
+              <a:t>OnGetAsync</a:t>
+            </a:r>
+            <a:r>
+              <a:rPr lang="en-US" dirty="0" smtClean="0"/>
+              <a:t> </a:t>
+            </a:r>
+            <a:r>
+              <a:rPr lang="ru-RU" dirty="0" smtClean="0"/>
+              <a:t>используется при </a:t>
+            </a:r>
+            <a:r>
+              <a:rPr lang="en-US" dirty="0" smtClean="0"/>
+              <a:t>get </a:t>
+            </a:r>
+            <a:r>
+              <a:rPr lang="ru-RU" dirty="0" smtClean="0"/>
+              <a:t>запросе и выводит на экран данные из БД.</a:t>
+            </a:r>
+          </a:p>
+          <a:p>
+            <a:pPr marL="144000" indent="-360000">
+              <a:spcAft>
+                <a:spcPts val="1200"/>
+              </a:spcAft>
+              <a:buFont typeface="Arial" panose="020B0604020202020204" pitchFamily="34" charset="0"/>
+              <a:buChar char="•"/>
+            </a:pPr>
+            <a:r>
+              <a:rPr lang="ru-RU" dirty="0" smtClean="0"/>
+              <a:t>Метод </a:t>
+            </a:r>
+            <a:r>
+              <a:rPr lang="en-US" dirty="0" err="1" smtClean="0"/>
+              <a:t>OnPostAsync</a:t>
+            </a:r>
+            <a:r>
+              <a:rPr lang="en-US" dirty="0" smtClean="0"/>
+              <a:t> </a:t>
+            </a:r>
+            <a:r>
+              <a:rPr lang="ru-RU" dirty="0" smtClean="0"/>
+              <a:t>выполняется при отправке формы (при нажатия кнопки «добавить»), добавляются данные в БД и обновляется </a:t>
+            </a:r>
+            <a:r>
+              <a:rPr lang="ru-RU" dirty="0"/>
+              <a:t>страница</a:t>
+            </a:r>
+            <a:r>
+              <a:rPr lang="ru-RU" dirty="0" smtClean="0"/>
+              <a:t>.</a:t>
+            </a:r>
+          </a:p>
+          <a:p>
+            <a:pPr marL="144000" indent="-360000">
+              <a:spcAft>
+                <a:spcPts val="1200"/>
+              </a:spcAft>
+              <a:buFont typeface="Arial" panose="020B0604020202020204" pitchFamily="34" charset="0"/>
+              <a:buChar char="•"/>
+            </a:pPr>
+            <a:r>
+              <a:rPr lang="ru-RU" dirty="0" smtClean="0"/>
+              <a:t>Метод </a:t>
+            </a:r>
+            <a:r>
+              <a:rPr lang="en-US" dirty="0" err="1" smtClean="0"/>
+              <a:t>OnPostDeleteAsync</a:t>
+            </a:r>
+            <a:r>
+              <a:rPr lang="ru-RU" dirty="0" smtClean="0"/>
+              <a:t> инициализируется при нажатии кнопки «Удалить», удаляется выделенная строка данных из БД и обновляется страница.</a:t>
+            </a:r>
+          </a:p>
+        </p:txBody>
+      </p:sp>
+    </p:spTree>
+    <p:extLst>
+      <p:ext uri="{BB962C8B-B14F-4D97-AF65-F5344CB8AC3E}">
+        <p14:creationId xmlns:p14="http://schemas.microsoft.com/office/powerpoint/2010/main" val="2866321449"/>
+      </p:ext>
+    </p:extLst>
+  </p:cSld>
+  <p:clrMapOvr>
+    <a:masterClrMapping/>
+  </p:clrMapOvr>
+  <p:timing>
+    <p:tnLst>
+      <p:par>
+        <p:cTn id="1" dur="indefinite" restart="never" nodeType="tmRoot"/>
+      </p:par>
+    </p:tnLst>
+  </p:timing>
+</p:sld>
+</file>
+
+<file path=ppt/slides/slide23.xml><?xml version="1.0" encoding="utf-8"?>
+<p:sld xmlns:a="http://schemas.openxmlformats.org/drawingml/2006/main" xmlns:r="http://schemas.openxmlformats.org/officeDocument/2006/relationships" xmlns:p="http://schemas.openxmlformats.org/presentationml/2006/main">
+  <p:cSld>
+    <p:spTree>
+      <p:nvGrpSpPr>
+        <p:cNvPr id="1" name=""/>
+        <p:cNvGrpSpPr/>
+        <p:nvPr/>
+      </p:nvGrpSpPr>
+      <p:grpSpPr>
+        <a:xfrm>
+          <a:off x="0" y="0"/>
+          <a:ext cx="0" cy="0"/>
+          <a:chOff x="0" y="0"/>
+          <a:chExt cx="0" cy="0"/>
+        </a:xfrm>
+      </p:grpSpPr>
+      <p:sp>
+        <p:nvSpPr>
+          <p:cNvPr id="2" name="Заголовок 1"/>
+          <p:cNvSpPr>
+            <a:spLocks noGrp="1"/>
+          </p:cNvSpPr>
+          <p:nvPr>
+            <p:ph type="title"/>
+          </p:nvPr>
+        </p:nvSpPr>
+        <p:spPr>
+          <a:xfrm>
+            <a:off x="646111" y="452718"/>
+            <a:ext cx="9404723" cy="670688"/>
+          </a:xfrm>
+        </p:spPr>
+        <p:txBody>
+          <a:bodyPr/>
+          <a:lstStyle/>
+          <a:p>
+            <a:r>
+              <a:rPr lang="ru-RU" sz="3600" dirty="0" smtClean="0"/>
+              <a:t>Работа приложения</a:t>
+            </a:r>
+            <a:endParaRPr lang="ru-RU" sz="3600" dirty="0"/>
+          </a:p>
+        </p:txBody>
+      </p:sp>
+      <p:sp>
+        <p:nvSpPr>
+          <p:cNvPr id="3" name="TextBox 2"/>
+          <p:cNvSpPr txBox="1"/>
+          <p:nvPr/>
+        </p:nvSpPr>
+        <p:spPr>
+          <a:xfrm>
+            <a:off x="646111" y="1123406"/>
+            <a:ext cx="10814369" cy="1477328"/>
+          </a:xfrm>
+          <a:prstGeom prst="rect">
+            <a:avLst/>
+          </a:prstGeom>
+          <a:noFill/>
+        </p:spPr>
+        <p:txBody>
+          <a:bodyPr wrap="square" rtlCol="0">
+            <a:spAutoFit/>
+          </a:bodyPr>
+          <a:lstStyle/>
+          <a:p>
+            <a:pPr marL="342900" indent="-342900">
+              <a:buFont typeface="+mj-lt"/>
+              <a:buAutoNum type="arabicPeriod"/>
+            </a:pPr>
+            <a:r>
+              <a:rPr lang="ru-RU" dirty="0" smtClean="0"/>
+              <a:t>Заполняем поля.</a:t>
+            </a:r>
+          </a:p>
+          <a:p>
+            <a:pPr marL="342900" indent="-342900">
+              <a:buFont typeface="+mj-lt"/>
+              <a:buAutoNum type="arabicPeriod"/>
+            </a:pPr>
+            <a:r>
+              <a:rPr lang="ru-RU" dirty="0" smtClean="0"/>
+              <a:t>Нажимаем кнопку «Добавить».</a:t>
+            </a:r>
+          </a:p>
+          <a:p>
+            <a:pPr marL="342900" indent="-342900">
+              <a:buFont typeface="+mj-lt"/>
+              <a:buAutoNum type="arabicPeriod"/>
+            </a:pPr>
+            <a:r>
+              <a:rPr lang="ru-RU" dirty="0" smtClean="0"/>
+              <a:t>Повторяем два предыдущих пункта.</a:t>
+            </a:r>
+          </a:p>
+          <a:p>
+            <a:pPr marL="342900" indent="-342900">
+              <a:buFont typeface="+mj-lt"/>
+              <a:buAutoNum type="arabicPeriod"/>
+            </a:pPr>
+            <a:endParaRPr lang="ru-RU" dirty="0" smtClean="0"/>
+          </a:p>
+          <a:p>
+            <a:pPr marL="342900" indent="-342900">
+              <a:buFont typeface="+mj-lt"/>
+              <a:buAutoNum type="arabicPeriod"/>
+            </a:pPr>
+            <a:endParaRPr lang="ru-RU" dirty="0"/>
+          </a:p>
+        </p:txBody>
+      </p:sp>
+      <p:pic>
+        <p:nvPicPr>
+          <p:cNvPr id="7" name="Рисунок 6"/>
+          <p:cNvPicPr>
+            <a:picLocks noChangeAspect="1"/>
+          </p:cNvPicPr>
+          <p:nvPr/>
+        </p:nvPicPr>
+        <p:blipFill>
+          <a:blip r:embed="rId2"/>
+          <a:stretch>
+            <a:fillRect/>
+          </a:stretch>
+        </p:blipFill>
+        <p:spPr>
+          <a:xfrm>
+            <a:off x="646111" y="3349671"/>
+            <a:ext cx="3819415" cy="2262727"/>
+          </a:xfrm>
+          <a:prstGeom prst="rect">
+            <a:avLst/>
+          </a:prstGeom>
+        </p:spPr>
+      </p:pic>
+      <p:pic>
+        <p:nvPicPr>
+          <p:cNvPr id="8" name="Рисунок 7"/>
+          <p:cNvPicPr>
+            <a:picLocks noChangeAspect="1"/>
+          </p:cNvPicPr>
+          <p:nvPr/>
+        </p:nvPicPr>
+        <p:blipFill>
+          <a:blip r:embed="rId3"/>
+          <a:stretch>
+            <a:fillRect/>
+          </a:stretch>
+        </p:blipFill>
+        <p:spPr>
+          <a:xfrm>
+            <a:off x="4990012" y="3349671"/>
+            <a:ext cx="3205897" cy="2284575"/>
+          </a:xfrm>
+          <a:prstGeom prst="rect">
+            <a:avLst/>
+          </a:prstGeom>
+        </p:spPr>
+      </p:pic>
+      <p:pic>
+        <p:nvPicPr>
+          <p:cNvPr id="10" name="Рисунок 9"/>
+          <p:cNvPicPr>
+            <a:picLocks noChangeAspect="1"/>
+          </p:cNvPicPr>
+          <p:nvPr/>
+        </p:nvPicPr>
+        <p:blipFill>
+          <a:blip r:embed="rId4"/>
+          <a:stretch>
+            <a:fillRect/>
+          </a:stretch>
+        </p:blipFill>
+        <p:spPr>
+          <a:xfrm>
+            <a:off x="8986559" y="3349671"/>
+            <a:ext cx="2726469" cy="2216482"/>
+          </a:xfrm>
+          <a:prstGeom prst="rect">
+            <a:avLst/>
+          </a:prstGeom>
+        </p:spPr>
+      </p:pic>
+      <p:sp>
+        <p:nvSpPr>
+          <p:cNvPr id="14" name="TextBox 13"/>
+          <p:cNvSpPr txBox="1"/>
+          <p:nvPr/>
+        </p:nvSpPr>
+        <p:spPr>
+          <a:xfrm>
+            <a:off x="9496353" y="5756476"/>
+            <a:ext cx="1706880" cy="307777"/>
+          </a:xfrm>
+          <a:prstGeom prst="rect">
+            <a:avLst/>
+          </a:prstGeom>
+          <a:noFill/>
+        </p:spPr>
+        <p:txBody>
+          <a:bodyPr wrap="square" rtlCol="0">
+            <a:spAutoFit/>
+          </a:bodyPr>
+          <a:lstStyle/>
+          <a:p>
+            <a:pPr algn="ctr"/>
+            <a:r>
+              <a:rPr lang="ru-RU" sz="1400" i="1" dirty="0" smtClean="0">
+                <a:solidFill>
+                  <a:schemeClr val="tx1">
+                    <a:lumMod val="65000"/>
+                  </a:schemeClr>
+                </a:solidFill>
+              </a:rPr>
+              <a:t>Шаг 3.</a:t>
+            </a:r>
+            <a:endParaRPr lang="ru-RU" sz="1400" i="1" dirty="0">
+              <a:solidFill>
+                <a:schemeClr val="tx1">
+                  <a:lumMod val="65000"/>
+                </a:schemeClr>
+              </a:solidFill>
+            </a:endParaRPr>
+          </a:p>
+        </p:txBody>
+      </p:sp>
+      <p:sp>
+        <p:nvSpPr>
+          <p:cNvPr id="16" name="TextBox 15"/>
+          <p:cNvSpPr txBox="1"/>
+          <p:nvPr/>
+        </p:nvSpPr>
+        <p:spPr>
+          <a:xfrm>
+            <a:off x="5739520" y="5756476"/>
+            <a:ext cx="1706880" cy="307777"/>
+          </a:xfrm>
+          <a:prstGeom prst="rect">
+            <a:avLst/>
+          </a:prstGeom>
+          <a:noFill/>
+        </p:spPr>
+        <p:txBody>
+          <a:bodyPr wrap="square" rtlCol="0">
+            <a:spAutoFit/>
+          </a:bodyPr>
+          <a:lstStyle/>
+          <a:p>
+            <a:pPr algn="ctr"/>
+            <a:r>
+              <a:rPr lang="ru-RU" sz="1400" i="1" dirty="0" smtClean="0">
+                <a:solidFill>
+                  <a:schemeClr val="tx1">
+                    <a:lumMod val="65000"/>
+                  </a:schemeClr>
+                </a:solidFill>
+              </a:rPr>
+              <a:t>Шаг 2.</a:t>
+            </a:r>
+            <a:endParaRPr lang="ru-RU" sz="1400" i="1" dirty="0">
+              <a:solidFill>
+                <a:schemeClr val="tx1">
+                  <a:lumMod val="65000"/>
+                </a:schemeClr>
+              </a:solidFill>
+            </a:endParaRPr>
+          </a:p>
+        </p:txBody>
+      </p:sp>
+      <p:sp>
+        <p:nvSpPr>
+          <p:cNvPr id="17" name="TextBox 16"/>
+          <p:cNvSpPr txBox="1"/>
+          <p:nvPr/>
+        </p:nvSpPr>
+        <p:spPr>
+          <a:xfrm>
+            <a:off x="1637064" y="5756476"/>
+            <a:ext cx="1706880" cy="307777"/>
+          </a:xfrm>
+          <a:prstGeom prst="rect">
+            <a:avLst/>
+          </a:prstGeom>
+          <a:noFill/>
+        </p:spPr>
+        <p:txBody>
+          <a:bodyPr wrap="square" rtlCol="0">
+            <a:spAutoFit/>
+          </a:bodyPr>
+          <a:lstStyle/>
+          <a:p>
+            <a:pPr algn="ctr"/>
+            <a:r>
+              <a:rPr lang="ru-RU" sz="1400" i="1" dirty="0" smtClean="0">
+                <a:solidFill>
+                  <a:schemeClr val="tx1">
+                    <a:lumMod val="65000"/>
+                  </a:schemeClr>
+                </a:solidFill>
+              </a:rPr>
+              <a:t>Шаг 1.</a:t>
+            </a:r>
+            <a:endParaRPr lang="ru-RU" sz="1400" i="1" dirty="0">
+              <a:solidFill>
+                <a:schemeClr val="tx1">
+                  <a:lumMod val="65000"/>
+                </a:schemeClr>
+              </a:solidFill>
+            </a:endParaRPr>
+          </a:p>
+        </p:txBody>
+      </p:sp>
+    </p:spTree>
+    <p:extLst>
+      <p:ext uri="{BB962C8B-B14F-4D97-AF65-F5344CB8AC3E}">
+        <p14:creationId xmlns:p14="http://schemas.microsoft.com/office/powerpoint/2010/main" val="649198876"/>
+      </p:ext>
+    </p:extLst>
+  </p:cSld>
+  <p:clrMapOvr>
+    <a:masterClrMapping/>
+  </p:clrMapOvr>
+  <p:timing>
+    <p:tnLst>
+      <p:par>
+        <p:cTn id="1" dur="indefinite" restart="never" nodeType="tmRoot"/>
+      </p:par>
+    </p:tnLst>
+  </p:timing>
+</p:sld>
+</file>
+
+<file path=ppt/slides/slide24.xml><?xml version="1.0" encoding="utf-8"?>
+<p:sld xmlns:a="http://schemas.openxmlformats.org/drawingml/2006/main" xmlns:r="http://schemas.openxmlformats.org/officeDocument/2006/relationships" xmlns:p="http://schemas.openxmlformats.org/presentationml/2006/main">
+  <p:cSld>
+    <p:spTree>
+      <p:nvGrpSpPr>
+        <p:cNvPr id="1" name=""/>
+        <p:cNvGrpSpPr/>
+        <p:nvPr/>
+      </p:nvGrpSpPr>
+      <p:grpSpPr>
+        <a:xfrm>
+          <a:off x="0" y="0"/>
+          <a:ext cx="0" cy="0"/>
+          <a:chOff x="0" y="0"/>
+          <a:chExt cx="0" cy="0"/>
+        </a:xfrm>
+      </p:grpSpPr>
+      <p:sp>
+        <p:nvSpPr>
+          <p:cNvPr id="2" name="Заголовок 1"/>
+          <p:cNvSpPr>
+            <a:spLocks noGrp="1"/>
+          </p:cNvSpPr>
+          <p:nvPr>
+            <p:ph type="title"/>
+          </p:nvPr>
+        </p:nvSpPr>
+        <p:spPr>
+          <a:xfrm>
+            <a:off x="646111" y="452718"/>
+            <a:ext cx="9404723" cy="670688"/>
+          </a:xfrm>
+        </p:spPr>
+        <p:txBody>
+          <a:bodyPr/>
+          <a:lstStyle/>
+          <a:p>
+            <a:r>
+              <a:rPr lang="ru-RU" sz="3600" dirty="0" smtClean="0"/>
+              <a:t>Работа приложения</a:t>
+            </a:r>
+            <a:endParaRPr lang="ru-RU" sz="3600" dirty="0"/>
+          </a:p>
+        </p:txBody>
+      </p:sp>
+      <p:sp>
+        <p:nvSpPr>
+          <p:cNvPr id="3" name="TextBox 2"/>
+          <p:cNvSpPr txBox="1"/>
+          <p:nvPr/>
+        </p:nvSpPr>
+        <p:spPr>
+          <a:xfrm>
+            <a:off x="646111" y="1123406"/>
+            <a:ext cx="10814369" cy="646331"/>
+          </a:xfrm>
+          <a:prstGeom prst="rect">
+            <a:avLst/>
+          </a:prstGeom>
+          <a:noFill/>
+        </p:spPr>
+        <p:txBody>
+          <a:bodyPr wrap="square" rtlCol="0">
+            <a:spAutoFit/>
+          </a:bodyPr>
+          <a:lstStyle/>
+          <a:p>
+            <a:pPr marL="342900" indent="-342900">
+              <a:buFont typeface="+mj-lt"/>
+              <a:buAutoNum type="arabicPeriod" startAt="4"/>
+            </a:pPr>
+            <a:r>
+              <a:rPr lang="ru-RU" dirty="0"/>
+              <a:t>Оставляем поля пустыми и нажимаем кнопку «Добавить».</a:t>
+            </a:r>
+          </a:p>
+          <a:p>
+            <a:pPr marL="342900" indent="-342900">
+              <a:buFont typeface="+mj-lt"/>
+              <a:buAutoNum type="arabicPeriod" startAt="4"/>
+            </a:pPr>
+            <a:r>
+              <a:rPr lang="ru-RU" dirty="0"/>
+              <a:t>Удаляем строку данных.</a:t>
+            </a:r>
+            <a:endParaRPr lang="ru-RU" dirty="0"/>
+          </a:p>
+        </p:txBody>
+      </p:sp>
+      <p:pic>
+        <p:nvPicPr>
+          <p:cNvPr id="4" name="Рисунок 3"/>
+          <p:cNvPicPr>
+            <a:picLocks noChangeAspect="1"/>
+          </p:cNvPicPr>
+          <p:nvPr/>
+        </p:nvPicPr>
+        <p:blipFill>
+          <a:blip r:embed="rId2"/>
+          <a:stretch>
+            <a:fillRect/>
+          </a:stretch>
+        </p:blipFill>
+        <p:spPr>
+          <a:xfrm>
+            <a:off x="816141" y="2440425"/>
+            <a:ext cx="3251488" cy="2619255"/>
+          </a:xfrm>
+          <a:prstGeom prst="rect">
+            <a:avLst/>
+          </a:prstGeom>
+        </p:spPr>
+      </p:pic>
+      <p:pic>
+        <p:nvPicPr>
+          <p:cNvPr id="5" name="Рисунок 4"/>
+          <p:cNvPicPr>
+            <a:picLocks noChangeAspect="1"/>
+          </p:cNvPicPr>
+          <p:nvPr/>
+        </p:nvPicPr>
+        <p:blipFill>
+          <a:blip r:embed="rId3"/>
+          <a:stretch>
+            <a:fillRect/>
+          </a:stretch>
+        </p:blipFill>
+        <p:spPr>
+          <a:xfrm>
+            <a:off x="6001044" y="2440425"/>
+            <a:ext cx="3250800" cy="2665070"/>
+          </a:xfrm>
+          <a:prstGeom prst="rect">
+            <a:avLst/>
+          </a:prstGeom>
+        </p:spPr>
+      </p:pic>
+      <p:sp>
+        <p:nvSpPr>
+          <p:cNvPr id="9" name="TextBox 8"/>
+          <p:cNvSpPr txBox="1"/>
+          <p:nvPr/>
+        </p:nvSpPr>
+        <p:spPr>
+          <a:xfrm>
+            <a:off x="1588445" y="5242671"/>
+            <a:ext cx="1706880" cy="307777"/>
+          </a:xfrm>
+          <a:prstGeom prst="rect">
+            <a:avLst/>
+          </a:prstGeom>
+          <a:noFill/>
+        </p:spPr>
+        <p:txBody>
+          <a:bodyPr wrap="square" rtlCol="0">
+            <a:spAutoFit/>
+          </a:bodyPr>
+          <a:lstStyle/>
+          <a:p>
+            <a:pPr algn="ctr"/>
+            <a:r>
+              <a:rPr lang="ru-RU" sz="1400" i="1" dirty="0" smtClean="0">
+                <a:solidFill>
+                  <a:schemeClr val="tx1">
+                    <a:lumMod val="65000"/>
+                  </a:schemeClr>
+                </a:solidFill>
+              </a:rPr>
+              <a:t>Шаг 4.</a:t>
+            </a:r>
+            <a:endParaRPr lang="ru-RU" sz="1400" i="1" dirty="0">
+              <a:solidFill>
+                <a:schemeClr val="tx1">
+                  <a:lumMod val="65000"/>
+                </a:schemeClr>
+              </a:solidFill>
+            </a:endParaRPr>
+          </a:p>
+        </p:txBody>
+      </p:sp>
+      <p:sp>
+        <p:nvSpPr>
+          <p:cNvPr id="11" name="TextBox 10"/>
+          <p:cNvSpPr txBox="1"/>
+          <p:nvPr/>
+        </p:nvSpPr>
+        <p:spPr>
+          <a:xfrm>
+            <a:off x="6773004" y="5242671"/>
+            <a:ext cx="1706880" cy="307777"/>
+          </a:xfrm>
+          <a:prstGeom prst="rect">
+            <a:avLst/>
+          </a:prstGeom>
+          <a:noFill/>
+        </p:spPr>
+        <p:txBody>
+          <a:bodyPr wrap="square" rtlCol="0">
+            <a:spAutoFit/>
+          </a:bodyPr>
+          <a:lstStyle/>
+          <a:p>
+            <a:pPr algn="ctr"/>
+            <a:r>
+              <a:rPr lang="ru-RU" sz="1400" i="1" dirty="0" smtClean="0">
+                <a:solidFill>
+                  <a:schemeClr val="tx1">
+                    <a:lumMod val="65000"/>
+                  </a:schemeClr>
+                </a:solidFill>
+              </a:rPr>
+              <a:t>Шаг 5.</a:t>
+            </a:r>
+            <a:endParaRPr lang="ru-RU" sz="1400" i="1" dirty="0">
+              <a:solidFill>
+                <a:schemeClr val="tx1">
+                  <a:lumMod val="65000"/>
+                </a:schemeClr>
+              </a:solidFill>
+            </a:endParaRPr>
+          </a:p>
+        </p:txBody>
+      </p:sp>
+    </p:spTree>
+    <p:extLst>
+      <p:ext uri="{BB962C8B-B14F-4D97-AF65-F5344CB8AC3E}">
+        <p14:creationId xmlns:p14="http://schemas.microsoft.com/office/powerpoint/2010/main" val="3860204456"/>
+      </p:ext>
+    </p:extLst>
+  </p:cSld>
+  <p:clrMapOvr>
+    <a:masterClrMapping/>
+  </p:clrMapOvr>
+  <p:timing>
+    <p:tnLst>
+      <p:par>
+        <p:cTn id="1" dur="indefinite" restart="never" nodeType="tmRoot"/>
+      </p:par>
+    </p:tnLst>
+  </p:timing>
 </p:sld>
 </file>
 
@@ -7719,6 +10341,13 @@
   <p:clrMapOvr>
     <a:masterClrMapping/>
   </p:clrMapOvr>
+  <p:timing>
+    <p:tnLst>
+      <p:par>
+        <p:cTn id="1" dur="indefinite" restart="never" nodeType="tmRoot"/>
+      </p:par>
+    </p:tnLst>
+  </p:timing>
 </p:sld>
 </file>
 
@@ -7860,6 +10489,13 @@
   <p:clrMapOvr>
     <a:masterClrMapping/>
   </p:clrMapOvr>
+  <p:timing>
+    <p:tnLst>
+      <p:par>
+        <p:cTn id="1" dur="indefinite" restart="never" nodeType="tmRoot"/>
+      </p:par>
+    </p:tnLst>
+  </p:timing>
 </p:sld>
 </file>
 
@@ -8106,6 +10742,13 @@
   <p:clrMapOvr>
     <a:masterClrMapping/>
   </p:clrMapOvr>
+  <p:timing>
+    <p:tnLst>
+      <p:par>
+        <p:cTn id="1" dur="indefinite" restart="never" nodeType="tmRoot"/>
+      </p:par>
+    </p:tnLst>
+  </p:timing>
 </p:sld>
 </file>
 
@@ -8301,11 +10944,7 @@
             </a:r>
             <a:r>
               <a:rPr lang="ru-RU" sz="2400" dirty="0" smtClean="0"/>
-              <a:t> и запускает потоки.</a:t>
-            </a:r>
-            <a:r>
-              <a:rPr lang="ru-RU" sz="2400" dirty="0" smtClean="0"/>
-              <a:t> Данный метод ничего не возвращает.</a:t>
+              <a:t> и запускает потоки. Данный метод ничего не возвращает.</a:t>
             </a:r>
             <a:endParaRPr lang="ru-RU" sz="2400" dirty="0"/>
           </a:p>
@@ -8321,6 +10960,13 @@
   <p:clrMapOvr>
     <a:masterClrMapping/>
   </p:clrMapOvr>
+  <p:timing>
+    <p:tnLst>
+      <p:par>
+        <p:cTn id="1" dur="indefinite" restart="never" nodeType="tmRoot"/>
+      </p:par>
+    </p:tnLst>
+  </p:timing>
 </p:sld>
 </file>
 
@@ -8484,6 +11130,13 @@
   <p:clrMapOvr>
     <a:masterClrMapping/>
   </p:clrMapOvr>
+  <p:timing>
+    <p:tnLst>
+      <p:par>
+        <p:cTn id="1" dur="indefinite" restart="never" nodeType="tmRoot"/>
+      </p:par>
+    </p:tnLst>
+  </p:timing>
 </p:sld>
 </file>
 
@@ -8731,6 +11384,13 @@
   <p:clrMapOvr>
     <a:masterClrMapping/>
   </p:clrMapOvr>
+  <p:timing>
+    <p:tnLst>
+      <p:par>
+        <p:cTn id="1" dur="indefinite" restart="never" nodeType="tmRoot"/>
+      </p:par>
+    </p:tnLst>
+  </p:timing>
 </p:sld>
 </file>
 
